--- a/static/aulas/metabolismo_glicogenio.pptx
+++ b/static/aulas/metabolismo_glicogenio.pptx
@@ -29,10 +29,10 @@
     <p:sldId id="491" r:id="rId23"/>
     <p:sldId id="489" r:id="rId24"/>
     <p:sldId id="488" r:id="rId25"/>
-    <p:sldId id="479" r:id="rId26"/>
-    <p:sldId id="480" r:id="rId27"/>
-    <p:sldId id="487" r:id="rId28"/>
-    <p:sldId id="483" r:id="rId29"/>
+    <p:sldId id="499" r:id="rId26"/>
+    <p:sldId id="500" r:id="rId27"/>
+    <p:sldId id="501" r:id="rId28"/>
+    <p:sldId id="502" r:id="rId29"/>
   </p:sldIdLst>
   <p:sldSz cx="12192000" cy="6858000"/>
   <p:notesSz cx="6858000" cy="9144000"/>
@@ -286,7 +286,7 @@
           <a:p>
             <a:fld id="{E3BCEED8-149E-406E-B91A-7F4F3B181D0A}" type="datetimeFigureOut">
               <a:rPr lang="pt-BR" smtClean="0"/>
-              <a:t>13/06/2023</a:t>
+              <a:t>14/06/2023</a:t>
             </a:fld>
             <a:endParaRPr lang="pt-BR"/>
           </a:p>
@@ -484,7 +484,7 @@
           <a:p>
             <a:fld id="{E3BCEED8-149E-406E-B91A-7F4F3B181D0A}" type="datetimeFigureOut">
               <a:rPr lang="pt-BR" smtClean="0"/>
-              <a:t>13/06/2023</a:t>
+              <a:t>14/06/2023</a:t>
             </a:fld>
             <a:endParaRPr lang="pt-BR"/>
           </a:p>
@@ -692,7 +692,7 @@
           <a:p>
             <a:fld id="{E3BCEED8-149E-406E-B91A-7F4F3B181D0A}" type="datetimeFigureOut">
               <a:rPr lang="pt-BR" smtClean="0"/>
-              <a:t>13/06/2023</a:t>
+              <a:t>14/06/2023</a:t>
             </a:fld>
             <a:endParaRPr lang="pt-BR"/>
           </a:p>
@@ -890,7 +890,7 @@
           <a:p>
             <a:fld id="{E3BCEED8-149E-406E-B91A-7F4F3B181D0A}" type="datetimeFigureOut">
               <a:rPr lang="pt-BR" smtClean="0"/>
-              <a:t>13/06/2023</a:t>
+              <a:t>14/06/2023</a:t>
             </a:fld>
             <a:endParaRPr lang="pt-BR"/>
           </a:p>
@@ -1165,7 +1165,7 @@
           <a:p>
             <a:fld id="{E3BCEED8-149E-406E-B91A-7F4F3B181D0A}" type="datetimeFigureOut">
               <a:rPr lang="pt-BR" smtClean="0"/>
-              <a:t>13/06/2023</a:t>
+              <a:t>14/06/2023</a:t>
             </a:fld>
             <a:endParaRPr lang="pt-BR"/>
           </a:p>
@@ -1430,7 +1430,7 @@
           <a:p>
             <a:fld id="{E3BCEED8-149E-406E-B91A-7F4F3B181D0A}" type="datetimeFigureOut">
               <a:rPr lang="pt-BR" smtClean="0"/>
-              <a:t>13/06/2023</a:t>
+              <a:t>14/06/2023</a:t>
             </a:fld>
             <a:endParaRPr lang="pt-BR"/>
           </a:p>
@@ -1842,7 +1842,7 @@
           <a:p>
             <a:fld id="{E3BCEED8-149E-406E-B91A-7F4F3B181D0A}" type="datetimeFigureOut">
               <a:rPr lang="pt-BR" smtClean="0"/>
-              <a:t>13/06/2023</a:t>
+              <a:t>14/06/2023</a:t>
             </a:fld>
             <a:endParaRPr lang="pt-BR"/>
           </a:p>
@@ -1983,7 +1983,7 @@
           <a:p>
             <a:fld id="{E3BCEED8-149E-406E-B91A-7F4F3B181D0A}" type="datetimeFigureOut">
               <a:rPr lang="pt-BR" smtClean="0"/>
-              <a:t>13/06/2023</a:t>
+              <a:t>14/06/2023</a:t>
             </a:fld>
             <a:endParaRPr lang="pt-BR"/>
           </a:p>
@@ -2096,7 +2096,7 @@
           <a:p>
             <a:fld id="{E3BCEED8-149E-406E-B91A-7F4F3B181D0A}" type="datetimeFigureOut">
               <a:rPr lang="pt-BR" smtClean="0"/>
-              <a:t>13/06/2023</a:t>
+              <a:t>14/06/2023</a:t>
             </a:fld>
             <a:endParaRPr lang="pt-BR"/>
           </a:p>
@@ -2407,7 +2407,7 @@
           <a:p>
             <a:fld id="{E3BCEED8-149E-406E-B91A-7F4F3B181D0A}" type="datetimeFigureOut">
               <a:rPr lang="pt-BR" smtClean="0"/>
-              <a:t>13/06/2023</a:t>
+              <a:t>14/06/2023</a:t>
             </a:fld>
             <a:endParaRPr lang="pt-BR"/>
           </a:p>
@@ -2695,7 +2695,7 @@
           <a:p>
             <a:fld id="{E3BCEED8-149E-406E-B91A-7F4F3B181D0A}" type="datetimeFigureOut">
               <a:rPr lang="pt-BR" smtClean="0"/>
-              <a:t>13/06/2023</a:t>
+              <a:t>14/06/2023</a:t>
             </a:fld>
             <a:endParaRPr lang="pt-BR"/>
           </a:p>
@@ -2956,7 +2956,7 @@
           <a:p>
             <a:fld id="{E3BCEED8-149E-406E-B91A-7F4F3B181D0A}" type="datetimeFigureOut">
               <a:rPr lang="pt-BR" smtClean="0"/>
-              <a:t>13/06/2023</a:t>
+              <a:t>14/06/2023</a:t>
             </a:fld>
             <a:endParaRPr lang="pt-BR"/>
           </a:p>
@@ -7059,14 +7059,14 @@
             </a:lvl9pPr>
           </a:lstStyle>
           <a:p>
-            <a:pPr marL="0" indent="0" algn="just">
+            <a:pPr marL="0" indent="0" algn="ctr">
               <a:lnSpc>
                 <a:spcPct val="114000"/>
               </a:lnSpc>
               <a:buNone/>
             </a:pPr>
             <a:r>
-              <a:rPr lang="pt-BR" sz="2400" dirty="0">
+              <a:rPr lang="pt-BR" dirty="0">
                 <a:solidFill>
                   <a:schemeClr val="accent4"/>
                 </a:solidFill>
@@ -7076,7 +7076,7 @@
               <a:t>Os resíduos de ácidos graxos das gorduras não podem ser metabolizados </a:t>
             </a:r>
             <a:r>
-              <a:rPr lang="pt-BR" sz="2400" dirty="0" err="1">
+              <a:rPr lang="pt-BR" dirty="0" err="1">
                 <a:solidFill>
                   <a:schemeClr val="accent4"/>
                 </a:solidFill>
@@ -7086,7 +7086,7 @@
               <a:t>anaerobicamente</a:t>
             </a:r>
             <a:r>
-              <a:rPr lang="pt-BR" sz="2400" dirty="0">
+              <a:rPr lang="pt-BR" dirty="0">
                 <a:solidFill>
                   <a:schemeClr val="accent4"/>
                 </a:solidFill>
@@ -7370,14 +7370,14 @@
           </a:bodyPr>
           <a:lstStyle/>
           <a:p>
-            <a:pPr marL="0" indent="0" algn="just">
+            <a:pPr marL="0" indent="0" algn="ctr">
               <a:lnSpc>
                 <a:spcPct val="114000"/>
               </a:lnSpc>
               <a:buNone/>
             </a:pPr>
             <a:r>
-              <a:rPr lang="pt-BR" sz="2400" dirty="0">
+              <a:rPr lang="pt-BR" dirty="0">
                 <a:solidFill>
                   <a:schemeClr val="accent4"/>
                 </a:solidFill>
@@ -7658,7 +7658,7 @@
         </p:spPr>
         <p:txBody>
           <a:bodyPr vert="horz" lIns="91440" tIns="45720" rIns="91440" bIns="45720" rtlCol="0">
-            <a:normAutofit fontScale="85000" lnSpcReduction="20000"/>
+            <a:noAutofit/>
           </a:bodyPr>
           <a:lstStyle>
             <a:lvl1pPr marL="228600" indent="-228600" algn="l" defTabSz="914400" rtl="0" eaLnBrk="1" latinLnBrk="0" hangingPunct="1">
@@ -7825,7 +7825,7 @@
             </a:lvl9pPr>
           </a:lstStyle>
           <a:p>
-            <a:pPr marL="0" marR="0" lvl="0" indent="0" algn="just" defTabSz="914400" rtl="0" eaLnBrk="1" fontAlgn="auto" latinLnBrk="0" hangingPunct="1">
+            <a:pPr marL="0" marR="0" lvl="0" indent="0" algn="ctr" defTabSz="914400" rtl="0" eaLnBrk="1" fontAlgn="auto" latinLnBrk="0" hangingPunct="1">
               <a:lnSpc>
                 <a:spcPct val="114000"/>
               </a:lnSpc>
@@ -7843,7 +7843,7 @@
               <a:defRPr/>
             </a:pPr>
             <a:r>
-              <a:rPr kumimoji="0" lang="pt-BR" sz="2800" b="0" i="0" u="none" strike="noStrike" kern="1200" cap="none" spc="0" normalizeH="0" baseline="0" noProof="0" dirty="0">
+              <a:rPr kumimoji="0" lang="pt-BR" b="0" i="0" u="none" strike="noStrike" kern="1200" cap="none" spc="0" normalizeH="0" baseline="0" noProof="0" dirty="0">
                 <a:ln>
                   <a:noFill/>
                 </a:ln>
@@ -15362,7 +15362,7 @@
                 <a:ea typeface="Calibri" panose="020F0502020204030204" pitchFamily="34" charset="0"/>
                 <a:cs typeface="Times New Roman" panose="02020603050405020304" pitchFamily="18" charset="0"/>
               </a:rPr>
-              <a:t>Prática #03</a:t>
+              <a:t>Prática #05</a:t>
             </a:r>
           </a:p>
           <a:p>
@@ -15816,6 +15816,8 @@
                 <a:solidFill>
                   <a:schemeClr val="accent4"/>
                 </a:solidFill>
+                <a:latin typeface="Times New Roman" panose="02020603050405020304" pitchFamily="18" charset="0"/>
+                <a:cs typeface="Times New Roman" panose="02020603050405020304" pitchFamily="18" charset="0"/>
               </a:rPr>
               <a:t>Por meio do armazenamento da glicose na forma de </a:t>
             </a:r>
@@ -15824,6 +15826,8 @@
                 <a:solidFill>
                   <a:schemeClr val="bg1"/>
                 </a:solidFill>
+                <a:latin typeface="Times New Roman" panose="02020603050405020304" pitchFamily="18" charset="0"/>
+                <a:cs typeface="Times New Roman" panose="02020603050405020304" pitchFamily="18" charset="0"/>
               </a:rPr>
               <a:t>polímero de alta massa molecular</a:t>
             </a:r>
@@ -15832,6 +15836,8 @@
                 <a:solidFill>
                   <a:schemeClr val="accent4"/>
                 </a:solidFill>
+                <a:latin typeface="Times New Roman" panose="02020603050405020304" pitchFamily="18" charset="0"/>
+                <a:cs typeface="Times New Roman" panose="02020603050405020304" pitchFamily="18" charset="0"/>
               </a:rPr>
               <a:t>, como o </a:t>
             </a:r>
@@ -15840,6 +15846,8 @@
                 <a:solidFill>
                   <a:schemeClr val="bg1"/>
                 </a:solidFill>
+                <a:latin typeface="Times New Roman" panose="02020603050405020304" pitchFamily="18" charset="0"/>
+                <a:cs typeface="Times New Roman" panose="02020603050405020304" pitchFamily="18" charset="0"/>
               </a:rPr>
               <a:t>amido e o glicogênio</a:t>
             </a:r>
@@ -15848,6 +15856,8 @@
                 <a:solidFill>
                   <a:schemeClr val="accent4"/>
                 </a:solidFill>
+                <a:latin typeface="Times New Roman" panose="02020603050405020304" pitchFamily="18" charset="0"/>
+                <a:cs typeface="Times New Roman" panose="02020603050405020304" pitchFamily="18" charset="0"/>
               </a:rPr>
               <a:t>, a célula pode estocar grandes quantidades de </a:t>
             </a:r>
@@ -15856,6 +15866,8 @@
                 <a:solidFill>
                   <a:schemeClr val="bg1"/>
                 </a:solidFill>
+                <a:latin typeface="Times New Roman" panose="02020603050405020304" pitchFamily="18" charset="0"/>
+                <a:cs typeface="Times New Roman" panose="02020603050405020304" pitchFamily="18" charset="0"/>
               </a:rPr>
               <a:t>unidades de hexose</a:t>
             </a:r>
@@ -15864,6 +15876,8 @@
                 <a:solidFill>
                   <a:schemeClr val="accent4"/>
                 </a:solidFill>
+                <a:latin typeface="Times New Roman" panose="02020603050405020304" pitchFamily="18" charset="0"/>
+                <a:cs typeface="Times New Roman" panose="02020603050405020304" pitchFamily="18" charset="0"/>
               </a:rPr>
               <a:t>, enquanto mantém a osmolaridade </a:t>
             </a:r>
@@ -15872,6 +15886,8 @@
                 <a:solidFill>
                   <a:schemeClr val="accent4"/>
                 </a:solidFill>
+                <a:latin typeface="Times New Roman" panose="02020603050405020304" pitchFamily="18" charset="0"/>
+                <a:cs typeface="Times New Roman" panose="02020603050405020304" pitchFamily="18" charset="0"/>
               </a:rPr>
               <a:t>citosólica</a:t>
             </a:r>
@@ -15880,6 +15896,8 @@
                 <a:solidFill>
                   <a:schemeClr val="accent4"/>
                 </a:solidFill>
+                <a:latin typeface="Times New Roman" panose="02020603050405020304" pitchFamily="18" charset="0"/>
+                <a:cs typeface="Times New Roman" panose="02020603050405020304" pitchFamily="18" charset="0"/>
               </a:rPr>
               <a:t> relativamente baixa. Quando a </a:t>
             </a:r>
@@ -15888,6 +15906,8 @@
                 <a:solidFill>
                   <a:schemeClr val="bg1"/>
                 </a:solidFill>
+                <a:latin typeface="Times New Roman" panose="02020603050405020304" pitchFamily="18" charset="0"/>
+                <a:cs typeface="Times New Roman" panose="02020603050405020304" pitchFamily="18" charset="0"/>
               </a:rPr>
               <a:t>demanda de energia aumenta</a:t>
             </a:r>
@@ -15896,6 +15916,8 @@
                 <a:solidFill>
                   <a:schemeClr val="accent4"/>
                 </a:solidFill>
+                <a:latin typeface="Times New Roman" panose="02020603050405020304" pitchFamily="18" charset="0"/>
+                <a:cs typeface="Times New Roman" panose="02020603050405020304" pitchFamily="18" charset="0"/>
               </a:rPr>
               <a:t>, a glicose pode ser liberada </a:t>
             </a:r>
@@ -15904,6 +15926,8 @@
                 <a:solidFill>
                   <a:schemeClr val="bg1"/>
                 </a:solidFill>
+                <a:latin typeface="Times New Roman" panose="02020603050405020304" pitchFamily="18" charset="0"/>
+                <a:cs typeface="Times New Roman" panose="02020603050405020304" pitchFamily="18" charset="0"/>
               </a:rPr>
               <a:t>desses polímeros de armazenamento intracelulares</a:t>
             </a:r>
@@ -15912,6 +15936,8 @@
                 <a:solidFill>
                   <a:schemeClr val="accent4"/>
                 </a:solidFill>
+                <a:latin typeface="Times New Roman" panose="02020603050405020304" pitchFamily="18" charset="0"/>
+                <a:cs typeface="Times New Roman" panose="02020603050405020304" pitchFamily="18" charset="0"/>
               </a:rPr>
               <a:t> e utilizada para </a:t>
             </a:r>
@@ -15920,6 +15946,8 @@
                 <a:solidFill>
                   <a:schemeClr val="bg1"/>
                 </a:solidFill>
+                <a:latin typeface="Times New Roman" panose="02020603050405020304" pitchFamily="18" charset="0"/>
+                <a:cs typeface="Times New Roman" panose="02020603050405020304" pitchFamily="18" charset="0"/>
               </a:rPr>
               <a:t>produzir ATP de maneira aeróbia</a:t>
             </a:r>
@@ -15928,6 +15956,8 @@
                 <a:solidFill>
                   <a:schemeClr val="accent4"/>
                 </a:solidFill>
+                <a:latin typeface="Times New Roman" panose="02020603050405020304" pitchFamily="18" charset="0"/>
+                <a:cs typeface="Times New Roman" panose="02020603050405020304" pitchFamily="18" charset="0"/>
               </a:rPr>
               <a:t> ou </a:t>
             </a:r>
@@ -15936,6 +15966,8 @@
                 <a:solidFill>
                   <a:schemeClr val="bg1"/>
                 </a:solidFill>
+                <a:latin typeface="Times New Roman" panose="02020603050405020304" pitchFamily="18" charset="0"/>
+                <a:cs typeface="Times New Roman" panose="02020603050405020304" pitchFamily="18" charset="0"/>
               </a:rPr>
               <a:t>anaeróbia</a:t>
             </a:r>
@@ -15944,6 +15976,8 @@
                 <a:solidFill>
                   <a:schemeClr val="accent4"/>
                 </a:solidFill>
+                <a:latin typeface="Times New Roman" panose="02020603050405020304" pitchFamily="18" charset="0"/>
+                <a:cs typeface="Times New Roman" panose="02020603050405020304" pitchFamily="18" charset="0"/>
               </a:rPr>
               <a:t>.</a:t>
             </a:r>
@@ -15982,10 +16016,10 @@
       </p:grpSpPr>
       <p:sp>
         <p:nvSpPr>
-          <p:cNvPr id="11" name="Retângulo: Cantos Arredondados 10">
-            <a:extLst>
-              <a:ext uri="{FF2B5EF4-FFF2-40B4-BE49-F238E27FC236}">
-                <a16:creationId xmlns:a16="http://schemas.microsoft.com/office/drawing/2014/main" id="{F68DE0B4-085D-4C3F-83AE-4E51B4794302}"/>
+          <p:cNvPr id="2" name="Retângulo 1">
+            <a:extLst>
+              <a:ext uri="{FF2B5EF4-FFF2-40B4-BE49-F238E27FC236}">
+                <a16:creationId xmlns:a16="http://schemas.microsoft.com/office/drawing/2014/main" id="{C70A2D4E-AA3C-48A2-9248-0DF969278203}"/>
               </a:ext>
             </a:extLst>
           </p:cNvPr>
@@ -15994,57 +16028,52 @@
         </p:nvSpPr>
         <p:spPr>
           <a:xfrm>
-            <a:off x="3592581" y="2517014"/>
-            <a:ext cx="5006838" cy="1412769"/>
-          </a:xfrm>
-          <a:prstGeom prst="roundRect">
+            <a:off x="1093566" y="2711675"/>
+            <a:ext cx="10004867" cy="829394"/>
+          </a:xfrm>
+          <a:prstGeom prst="rect">
             <a:avLst/>
           </a:prstGeom>
-          <a:solidFill>
-            <a:schemeClr val="tx1">
-              <a:lumMod val="65000"/>
-              <a:lumOff val="35000"/>
-            </a:schemeClr>
-          </a:solidFill>
-          <a:ln w="76200">
-            <a:solidFill>
-              <a:schemeClr val="bg1"/>
-            </a:solidFill>
-          </a:ln>
         </p:spPr>
-        <p:style>
-          <a:lnRef idx="2">
-            <a:schemeClr val="accent1">
-              <a:shade val="50000"/>
-            </a:schemeClr>
-          </a:lnRef>
-          <a:fillRef idx="1">
-            <a:schemeClr val="accent1"/>
-          </a:fillRef>
-          <a:effectRef idx="0">
-            <a:schemeClr val="accent1"/>
-          </a:effectRef>
-          <a:fontRef idx="minor">
-            <a:schemeClr val="lt1"/>
-          </a:fontRef>
-        </p:style>
         <p:txBody>
-          <a:bodyPr rtlCol="0" anchor="ctr"/>
+          <a:bodyPr wrap="square">
+            <a:spAutoFit/>
+          </a:bodyPr>
           <a:lstStyle/>
           <a:p>
-            <a:pPr algn="ctr"/>
-            <a:r>
-              <a:rPr lang="pt-BR" sz="3600" b="1" dirty="0">
-                <a:solidFill>
-                  <a:schemeClr val="accent4">
-                    <a:lumMod val="40000"/>
-                    <a:lumOff val="60000"/>
-                  </a:schemeClr>
-                </a:solidFill>
+            <a:pPr marL="0" marR="0" lvl="0" indent="0" algn="ctr" defTabSz="914400" rtl="0" eaLnBrk="1" fontAlgn="auto" latinLnBrk="0" hangingPunct="1">
+              <a:lnSpc>
+                <a:spcPct val="107000"/>
+              </a:lnSpc>
+              <a:spcBef>
+                <a:spcPts val="0"/>
+              </a:spcBef>
+              <a:spcAft>
+                <a:spcPts val="800"/>
+              </a:spcAft>
+              <a:buClrTx/>
+              <a:buSzTx/>
+              <a:buFontTx/>
+              <a:buNone/>
+              <a:tabLst/>
+              <a:defRPr/>
+            </a:pPr>
+            <a:r>
+              <a:rPr kumimoji="0" lang="pt-BR" sz="4800" b="1" i="1" u="none" strike="noStrike" kern="1200" cap="none" spc="0" normalizeH="0" baseline="0" noProof="0" dirty="0">
+                <a:ln>
+                  <a:noFill/>
+                </a:ln>
+                <a:solidFill>
+                  <a:prstClr val="white"/>
+                </a:solidFill>
+                <a:effectLst/>
+                <a:uLnTx/>
+                <a:uFillTx/>
                 <a:latin typeface="Times New Roman" panose="02020603050405020304" pitchFamily="18" charset="0"/>
+                <a:ea typeface="Calibri" panose="020F0502020204030204" pitchFamily="34" charset="0"/>
                 <a:cs typeface="Times New Roman" panose="02020603050405020304" pitchFamily="18" charset="0"/>
               </a:rPr>
-              <a:t>Recomendações de leitura e passatempo</a:t>
+              <a:t>Como a glicose entra e sai da célula?</a:t>
             </a:r>
           </a:p>
         </p:txBody>
@@ -16052,7 +16081,7 @@
     </p:spTree>
     <p:extLst>
       <p:ext uri="{BB962C8B-B14F-4D97-AF65-F5344CB8AC3E}">
-        <p14:creationId xmlns:p14="http://schemas.microsoft.com/office/powerpoint/2010/main" val="3816143178"/>
+        <p14:creationId xmlns:p14="http://schemas.microsoft.com/office/powerpoint/2010/main" val="1467623235"/>
       </p:ext>
     </p:extLst>
   </p:cSld>
@@ -16079,50 +16108,12 @@
           <a:chExt cx="0" cy="0"/>
         </a:xfrm>
       </p:grpSpPr>
-      <p:pic>
-        <p:nvPicPr>
-          <p:cNvPr id="4" name="Imagem 3">
-            <a:extLst>
-              <a:ext uri="{FF2B5EF4-FFF2-40B4-BE49-F238E27FC236}">
-                <a16:creationId xmlns:a16="http://schemas.microsoft.com/office/drawing/2014/main" id="{E067CA4E-A27D-4AA6-A747-E130A597686A}"/>
-              </a:ext>
-            </a:extLst>
-          </p:cNvPr>
-          <p:cNvPicPr>
-            <a:picLocks noChangeAspect="1"/>
-          </p:cNvPicPr>
-          <p:nvPr/>
-        </p:nvPicPr>
-        <p:blipFill>
-          <a:blip r:embed="rId2"/>
-          <a:stretch>
-            <a:fillRect/>
-          </a:stretch>
-        </p:blipFill>
-        <p:spPr>
-          <a:xfrm>
-            <a:off x="640061" y="398505"/>
-            <a:ext cx="4572396" cy="3429297"/>
-          </a:xfrm>
-          <a:prstGeom prst="roundRect">
-            <a:avLst/>
-          </a:prstGeom>
-          <a:ln w="28575">
-            <a:solidFill>
-              <a:schemeClr val="accent4">
-                <a:lumMod val="60000"/>
-                <a:lumOff val="40000"/>
-              </a:schemeClr>
-            </a:solidFill>
-          </a:ln>
-        </p:spPr>
-      </p:pic>
       <p:sp>
         <p:nvSpPr>
-          <p:cNvPr id="5" name="Retângulo 4">
-            <a:extLst>
-              <a:ext uri="{FF2B5EF4-FFF2-40B4-BE49-F238E27FC236}">
-                <a16:creationId xmlns:a16="http://schemas.microsoft.com/office/drawing/2014/main" id="{F06CBCE6-7279-48A8-A2BF-A031742A11DF}"/>
+          <p:cNvPr id="2" name="Retângulo 1">
+            <a:extLst>
+              <a:ext uri="{FF2B5EF4-FFF2-40B4-BE49-F238E27FC236}">
+                <a16:creationId xmlns:a16="http://schemas.microsoft.com/office/drawing/2014/main" id="{C70A2D4E-AA3C-48A2-9248-0DF969278203}"/>
               </a:ext>
             </a:extLst>
           </p:cNvPr>
@@ -16131,134 +16122,60 @@
         </p:nvSpPr>
         <p:spPr>
           <a:xfrm>
-            <a:off x="1209110" y="4053687"/>
-            <a:ext cx="3251378" cy="646331"/>
+            <a:off x="1093566" y="2619130"/>
+            <a:ext cx="10004867" cy="1619739"/>
           </a:xfrm>
           <a:prstGeom prst="rect">
             <a:avLst/>
           </a:prstGeom>
-          <a:noFill/>
         </p:spPr>
         <p:txBody>
-          <a:bodyPr wrap="square" rtlCol="0">
+          <a:bodyPr wrap="square">
             <a:spAutoFit/>
           </a:bodyPr>
           <a:lstStyle/>
           <a:p>
-            <a:pPr algn="ctr" defTabSz="457200"/>
-            <a:r>
-              <a:rPr lang="pt-BR" sz="3600" dirty="0">
-                <a:solidFill>
-                  <a:schemeClr val="accent4">
-                    <a:lumMod val="40000"/>
-                    <a:lumOff val="60000"/>
-                  </a:schemeClr>
-                </a:solidFill>
-                <a:latin typeface="Eras Bold ITC" panose="020B0907030504020204" pitchFamily="34" charset="0"/>
+            <a:pPr marL="0" marR="0" lvl="0" indent="0" algn="ctr" defTabSz="914400" rtl="0" eaLnBrk="1" fontAlgn="auto" latinLnBrk="0" hangingPunct="1">
+              <a:lnSpc>
+                <a:spcPct val="107000"/>
+              </a:lnSpc>
+              <a:spcBef>
+                <a:spcPts val="0"/>
+              </a:spcBef>
+              <a:spcAft>
+                <a:spcPts val="800"/>
+              </a:spcAft>
+              <a:buClrTx/>
+              <a:buSzTx/>
+              <a:buFontTx/>
+              <a:buNone/>
+              <a:tabLst/>
+              <a:defRPr/>
+            </a:pPr>
+            <a:r>
+              <a:rPr kumimoji="0" lang="pt-BR" sz="4800" b="1" i="1" u="none" strike="noStrike" kern="1200" cap="none" spc="0" normalizeH="0" baseline="0" noProof="0" dirty="0">
+                <a:ln>
+                  <a:noFill/>
+                </a:ln>
+                <a:solidFill>
+                  <a:prstClr val="white"/>
+                </a:solidFill>
+                <a:effectLst/>
+                <a:uLnTx/>
+                <a:uFillTx/>
+                <a:latin typeface="Times New Roman" panose="02020603050405020304" pitchFamily="18" charset="0"/>
+                <a:ea typeface="Calibri" panose="020F0502020204030204" pitchFamily="34" charset="0"/>
+                <a:cs typeface="Times New Roman" panose="02020603050405020304" pitchFamily="18" charset="0"/>
               </a:rPr>
-              <a:t>Capítulo 14</a:t>
+              <a:t>Por que a glicose-6-fosfato não atravessa a membrana celular?</a:t>
             </a:r>
           </a:p>
         </p:txBody>
       </p:sp>
-      <p:pic>
-        <p:nvPicPr>
-          <p:cNvPr id="1026" name="Picture 2" descr="Corpo Humano: Nosso Mundo Interior (2021) - Netflix | Flixable">
-            <a:extLst>
-              <a:ext uri="{FF2B5EF4-FFF2-40B4-BE49-F238E27FC236}">
-                <a16:creationId xmlns:a16="http://schemas.microsoft.com/office/drawing/2014/main" id="{E63CF1B5-AE19-4163-8BC7-CB6D710AEC6A}"/>
-              </a:ext>
-            </a:extLst>
-          </p:cNvPr>
-          <p:cNvPicPr>
-            <a:picLocks noChangeAspect="1" noChangeArrowheads="1"/>
-          </p:cNvPicPr>
-          <p:nvPr/>
-        </p:nvPicPr>
-        <p:blipFill>
-          <a:blip r:embed="rId3">
-            <a:extLst>
-              <a:ext uri="{28A0092B-C50C-407E-A947-70E740481C1C}">
-                <a14:useLocalDpi xmlns:a14="http://schemas.microsoft.com/office/drawing/2010/main" val="0"/>
-              </a:ext>
-            </a:extLst>
-          </a:blip>
-          <a:srcRect/>
-          <a:stretch>
-            <a:fillRect/>
-          </a:stretch>
-        </p:blipFill>
-        <p:spPr bwMode="auto">
-          <a:xfrm>
-            <a:off x="6294067" y="3429000"/>
-            <a:ext cx="5165735" cy="2905240"/>
-          </a:xfrm>
-          <a:prstGeom prst="roundRect">
-            <a:avLst/>
-          </a:prstGeom>
-          <a:noFill/>
-          <a:extLst>
-            <a:ext uri="{909E8E84-426E-40DD-AFC4-6F175D3DCCD1}">
-              <a14:hiddenFill xmlns:a14="http://schemas.microsoft.com/office/drawing/2010/main">
-                <a:solidFill>
-                  <a:srgbClr val="FFFFFF"/>
-                </a:solidFill>
-              </a14:hiddenFill>
-            </a:ext>
-          </a:extLst>
-        </p:spPr>
-      </p:pic>
-      <p:pic>
-        <p:nvPicPr>
-          <p:cNvPr id="1028" name="Picture 4" descr="About Netflix - Arquivos de mídia">
-            <a:extLst>
-              <a:ext uri="{FF2B5EF4-FFF2-40B4-BE49-F238E27FC236}">
-                <a16:creationId xmlns:a16="http://schemas.microsoft.com/office/drawing/2014/main" id="{D5AE3EEA-8650-4635-9981-FF0AFBC87EDD}"/>
-              </a:ext>
-            </a:extLst>
-          </p:cNvPr>
-          <p:cNvPicPr>
-            <a:picLocks noChangeAspect="1" noChangeArrowheads="1"/>
-          </p:cNvPicPr>
-          <p:nvPr/>
-        </p:nvPicPr>
-        <p:blipFill>
-          <a:blip r:embed="rId4">
-            <a:extLst>
-              <a:ext uri="{28A0092B-C50C-407E-A947-70E740481C1C}">
-                <a14:useLocalDpi xmlns:a14="http://schemas.microsoft.com/office/drawing/2010/main" val="0"/>
-              </a:ext>
-            </a:extLst>
-          </a:blip>
-          <a:srcRect/>
-          <a:stretch>
-            <a:fillRect/>
-          </a:stretch>
-        </p:blipFill>
-        <p:spPr bwMode="auto">
-          <a:xfrm>
-            <a:off x="7850459" y="2492634"/>
-            <a:ext cx="1787313" cy="1071342"/>
-          </a:xfrm>
-          <a:prstGeom prst="rect">
-            <a:avLst/>
-          </a:prstGeom>
-          <a:noFill/>
-          <a:extLst>
-            <a:ext uri="{909E8E84-426E-40DD-AFC4-6F175D3DCCD1}">
-              <a14:hiddenFill xmlns:a14="http://schemas.microsoft.com/office/drawing/2010/main">
-                <a:solidFill>
-                  <a:srgbClr val="FFFFFF"/>
-                </a:solidFill>
-              </a14:hiddenFill>
-            </a:ext>
-          </a:extLst>
-        </p:spPr>
-      </p:pic>
     </p:spTree>
     <p:extLst>
       <p:ext uri="{BB962C8B-B14F-4D97-AF65-F5344CB8AC3E}">
-        <p14:creationId xmlns:p14="http://schemas.microsoft.com/office/powerpoint/2010/main" val="413377354"/>
+        <p14:creationId xmlns:p14="http://schemas.microsoft.com/office/powerpoint/2010/main" val="784886797"/>
       </p:ext>
     </p:extLst>
   </p:cSld>
@@ -16287,127 +16204,50 @@
       </p:grpSpPr>
       <p:sp>
         <p:nvSpPr>
-          <p:cNvPr id="2" name="Título 1">
-            <a:extLst>
-              <a:ext uri="{FF2B5EF4-FFF2-40B4-BE49-F238E27FC236}">
-                <a16:creationId xmlns:a16="http://schemas.microsoft.com/office/drawing/2014/main" id="{B0BD4DFC-4C09-4C69-91E8-8786280106E9}"/>
-              </a:ext>
-            </a:extLst>
-          </p:cNvPr>
-          <p:cNvSpPr>
-            <a:spLocks noGrp="1"/>
-          </p:cNvSpPr>
-          <p:nvPr>
-            <p:ph type="title"/>
-          </p:nvPr>
-        </p:nvSpPr>
-        <p:spPr>
-          <a:xfrm>
-            <a:off x="838200" y="532394"/>
-            <a:ext cx="10515600" cy="1325563"/>
-          </a:xfrm>
-        </p:spPr>
-        <p:txBody>
-          <a:bodyPr>
-            <a:noAutofit/>
-          </a:bodyPr>
-          <a:lstStyle/>
-          <a:p>
-            <a:pPr algn="just"/>
-            <a:r>
-              <a:rPr lang="pt-BR" sz="3600" dirty="0">
-                <a:solidFill>
-                  <a:schemeClr val="accent4">
-                    <a:lumMod val="40000"/>
-                    <a:lumOff val="60000"/>
-                  </a:schemeClr>
-                </a:solidFill>
-                <a:latin typeface="Georgia" panose="02040502050405020303" pitchFamily="18" charset="0"/>
-              </a:rPr>
-              <a:t>A fim de diferenciar algumas substancias orgânicas e vias com nomes ou funções muito parecidas, escreva em uma folha as definições de:</a:t>
-            </a:r>
-          </a:p>
-        </p:txBody>
-      </p:sp>
-      <p:sp>
-        <p:nvSpPr>
-          <p:cNvPr id="12" name="CaixaDeTexto 11">
-            <a:extLst>
-              <a:ext uri="{FF2B5EF4-FFF2-40B4-BE49-F238E27FC236}">
-                <a16:creationId xmlns:a16="http://schemas.microsoft.com/office/drawing/2014/main" id="{486E91FF-8630-4E86-9303-8871C704C20B}"/>
-              </a:ext>
-            </a:extLst>
-          </p:cNvPr>
-          <p:cNvSpPr txBox="1"/>
+          <p:cNvPr id="2" name="Retângulo 1">
+            <a:extLst>
+              <a:ext uri="{FF2B5EF4-FFF2-40B4-BE49-F238E27FC236}">
+                <a16:creationId xmlns:a16="http://schemas.microsoft.com/office/drawing/2014/main" id="{C70A2D4E-AA3C-48A2-9248-0DF969278203}"/>
+              </a:ext>
+            </a:extLst>
+          </p:cNvPr>
+          <p:cNvSpPr/>
           <p:nvPr/>
         </p:nvSpPr>
         <p:spPr>
           <a:xfrm>
-            <a:off x="838200" y="2203905"/>
-            <a:ext cx="10381197" cy="3662541"/>
+            <a:off x="1093566" y="1828786"/>
+            <a:ext cx="10004867" cy="3200428"/>
           </a:xfrm>
           <a:prstGeom prst="rect">
             <a:avLst/>
           </a:prstGeom>
-          <a:noFill/>
         </p:spPr>
         <p:txBody>
-          <a:bodyPr wrap="square" rtlCol="0">
+          <a:bodyPr wrap="square">
             <a:spAutoFit/>
           </a:bodyPr>
-          <a:lstStyle>
-            <a:defPPr>
-              <a:defRPr lang="pt-BR"/>
-            </a:defPPr>
-            <a:lvl1pPr algn="ctr" defTabSz="457200">
-              <a:defRPr sz="2516">
-                <a:solidFill>
-                  <a:schemeClr val="accent5">
-                    <a:lumMod val="60000"/>
-                    <a:lumOff val="40000"/>
-                  </a:schemeClr>
-                </a:solidFill>
-                <a:latin typeface="Eras Bold ITC" panose="020B0907030504020204" pitchFamily="34" charset="0"/>
-              </a:defRPr>
-            </a:lvl1pPr>
-            <a:lvl2pPr defTabSz="457200"/>
-            <a:lvl3pPr defTabSz="457200"/>
-            <a:lvl4pPr defTabSz="457200"/>
-            <a:lvl5pPr defTabSz="457200"/>
-            <a:lvl6pPr defTabSz="457200"/>
-            <a:lvl7pPr defTabSz="457200"/>
-            <a:lvl8pPr defTabSz="457200"/>
-            <a:lvl9pPr defTabSz="457200"/>
-          </a:lstStyle>
-          <a:p>
-            <a:pPr marL="514350" marR="0" lvl="0" indent="-514350" algn="just" defTabSz="457200" rtl="0" eaLnBrk="1" fontAlgn="auto" latinLnBrk="0" hangingPunct="1">
+          <a:lstStyle/>
+          <a:p>
+            <a:pPr marL="0" marR="0" lvl="0" indent="0" algn="ctr" defTabSz="914400" rtl="0" eaLnBrk="1" fontAlgn="auto" latinLnBrk="0" hangingPunct="1">
               <a:lnSpc>
-                <a:spcPct val="100000"/>
+                <a:spcPct val="107000"/>
               </a:lnSpc>
               <a:spcBef>
                 <a:spcPts val="0"/>
               </a:spcBef>
               <a:spcAft>
-                <a:spcPts val="0"/>
+                <a:spcPts val="800"/>
               </a:spcAft>
               <a:buClrTx/>
               <a:buSzTx/>
-              <a:buFont typeface="Wingdings" panose="05000000000000000000" pitchFamily="2" charset="2"/>
-              <a:buChar char="q"/>
+              <a:buFontTx/>
+              <a:buNone/>
               <a:tabLst/>
               <a:defRPr/>
             </a:pPr>
             <a:r>
-              <a:rPr lang="pt-BR" sz="3200" dirty="0">
-                <a:solidFill>
-                  <a:prstClr val="white"/>
-                </a:solidFill>
-                <a:latin typeface="Georgia" panose="02040502050405020303" pitchFamily="18" charset="0"/>
-              </a:rPr>
-              <a:t>P</a:t>
-            </a:r>
-            <a:r>
-              <a:rPr kumimoji="0" lang="pt-BR" sz="3200" b="0" i="0" u="none" strike="noStrike" kern="1200" cap="none" spc="0" normalizeH="0" baseline="0" noProof="0" dirty="0" err="1">
+              <a:rPr kumimoji="0" lang="pt-BR" sz="4800" b="1" i="1" u="none" strike="noStrike" kern="1200" cap="none" spc="0" normalizeH="0" baseline="0" noProof="0" dirty="0">
                 <a:ln>
                   <a:noFill/>
                 </a:ln>
@@ -16417,12 +16257,14 @@
                 <a:effectLst/>
                 <a:uLnTx/>
                 <a:uFillTx/>
-                <a:latin typeface="Georgia" panose="02040502050405020303" pitchFamily="18" charset="0"/>
+                <a:latin typeface="Times New Roman" panose="02020603050405020304" pitchFamily="18" charset="0"/>
+                <a:ea typeface="Calibri" panose="020F0502020204030204" pitchFamily="34" charset="0"/>
+                <a:cs typeface="Times New Roman" panose="02020603050405020304" pitchFamily="18" charset="0"/>
               </a:rPr>
-              <a:t>olissacarídeos</a:t>
-            </a:r>
-            <a:r>
-              <a:rPr kumimoji="0" lang="pt-BR" sz="3200" b="0" i="0" u="none" strike="noStrike" kern="1200" cap="none" spc="0" normalizeH="0" baseline="0" noProof="0" dirty="0">
+              <a:t>Por que o piruvato e o lactato não são convertido em glicose via gliconeogênese em casos de </a:t>
+            </a:r>
+            <a:r>
+              <a:rPr kumimoji="0" lang="pt-BR" sz="4800" b="1" i="1" u="none" strike="noStrike" kern="1200" cap="none" spc="0" normalizeH="0" baseline="0" noProof="0" dirty="0" err="1">
                 <a:ln>
                   <a:noFill/>
                 </a:ln>
@@ -16432,19 +16274,25 @@
                 <a:effectLst/>
                 <a:uLnTx/>
                 <a:uFillTx/>
-                <a:latin typeface="Georgia" panose="02040502050405020303" pitchFamily="18" charset="0"/>
+                <a:latin typeface="Times New Roman" panose="02020603050405020304" pitchFamily="18" charset="0"/>
+                <a:ea typeface="Calibri" panose="020F0502020204030204" pitchFamily="34" charset="0"/>
+                <a:cs typeface="Times New Roman" panose="02020603050405020304" pitchFamily="18" charset="0"/>
               </a:rPr>
-              <a:t>:</a:t>
-            </a:r>
-          </a:p>
-          <a:p>
-            <a:pPr marL="971550" lvl="1" indent="-514350" algn="just">
-              <a:buFont typeface="Wingdings" panose="05000000000000000000" pitchFamily="2" charset="2"/>
-              <a:buChar char="q"/>
-              <a:defRPr/>
-            </a:pPr>
-            <a:r>
-              <a:rPr kumimoji="0" lang="pt-BR" sz="2400" b="0" i="0" u="none" strike="noStrike" kern="1200" cap="none" spc="0" normalizeH="0" baseline="0" noProof="0" dirty="0">
+              <a:t>glicogeno</a:t>
+            </a:r>
+            <a:r>
+              <a:rPr lang="pt-BR" sz="4800" b="1" i="1" dirty="0">
+                <a:solidFill>
+                  <a:prstClr val="white"/>
+                </a:solidFill>
+                <a:latin typeface="Times New Roman" panose="02020603050405020304" pitchFamily="18" charset="0"/>
+                <a:ea typeface="Calibri" panose="020F0502020204030204" pitchFamily="34" charset="0"/>
+                <a:cs typeface="Times New Roman" panose="02020603050405020304" pitchFamily="18" charset="0"/>
+              </a:rPr>
+              <a:t>lise do tipo 1</a:t>
+            </a:r>
+            <a:r>
+              <a:rPr kumimoji="0" lang="pt-BR" sz="4800" b="1" i="1" u="none" strike="noStrike" kern="1200" cap="none" spc="0" normalizeH="0" baseline="0" noProof="0" dirty="0">
                 <a:ln>
                   <a:noFill/>
                 </a:ln>
@@ -16454,228 +16302,11 @@
                 <a:effectLst/>
                 <a:uLnTx/>
                 <a:uFillTx/>
-                <a:latin typeface="Georgia" panose="02040502050405020303" pitchFamily="18" charset="0"/>
+                <a:latin typeface="Times New Roman" panose="02020603050405020304" pitchFamily="18" charset="0"/>
+                <a:ea typeface="Calibri" panose="020F0502020204030204" pitchFamily="34" charset="0"/>
+                <a:cs typeface="Times New Roman" panose="02020603050405020304" pitchFamily="18" charset="0"/>
               </a:rPr>
-              <a:t>Amido</a:t>
-            </a:r>
-          </a:p>
-          <a:p>
-            <a:pPr marL="971550" lvl="1" indent="-514350" algn="just">
-              <a:buFont typeface="Wingdings" panose="05000000000000000000" pitchFamily="2" charset="2"/>
-              <a:buChar char="q"/>
-              <a:defRPr/>
-            </a:pPr>
-            <a:r>
-              <a:rPr lang="pt-BR" sz="2400" dirty="0">
-                <a:solidFill>
-                  <a:prstClr val="white"/>
-                </a:solidFill>
-                <a:latin typeface="Georgia" panose="02040502050405020303" pitchFamily="18" charset="0"/>
-              </a:rPr>
-              <a:t>G</a:t>
-            </a:r>
-            <a:r>
-              <a:rPr kumimoji="0" lang="pt-BR" sz="2400" b="0" i="0" u="none" strike="noStrike" kern="1200" cap="none" spc="0" normalizeH="0" baseline="0" noProof="0" dirty="0" err="1">
-                <a:ln>
-                  <a:noFill/>
-                </a:ln>
-                <a:solidFill>
-                  <a:prstClr val="white"/>
-                </a:solidFill>
-                <a:effectLst/>
-                <a:uLnTx/>
-                <a:uFillTx/>
-                <a:latin typeface="Georgia" panose="02040502050405020303" pitchFamily="18" charset="0"/>
-              </a:rPr>
-              <a:t>licogênio</a:t>
-            </a:r>
-            <a:endParaRPr kumimoji="0" lang="pt-BR" sz="2400" b="0" i="0" u="none" strike="noStrike" kern="1200" cap="none" spc="0" normalizeH="0" baseline="0" noProof="0" dirty="0">
-              <a:ln>
-                <a:noFill/>
-              </a:ln>
-              <a:solidFill>
-                <a:prstClr val="white"/>
-              </a:solidFill>
-              <a:effectLst/>
-              <a:uLnTx/>
-              <a:uFillTx/>
-              <a:latin typeface="Georgia" panose="02040502050405020303" pitchFamily="18" charset="0"/>
-            </a:endParaRPr>
-          </a:p>
-          <a:p>
-            <a:pPr lvl="1" algn="just">
-              <a:defRPr/>
-            </a:pPr>
-            <a:endParaRPr kumimoji="0" lang="pt-BR" sz="2400" b="0" i="0" u="none" strike="noStrike" kern="1200" cap="none" spc="0" normalizeH="0" baseline="0" noProof="0" dirty="0">
-              <a:ln>
-                <a:noFill/>
-              </a:ln>
-              <a:solidFill>
-                <a:prstClr val="white"/>
-              </a:solidFill>
-              <a:effectLst/>
-              <a:uLnTx/>
-              <a:uFillTx/>
-              <a:latin typeface="Georgia" panose="02040502050405020303" pitchFamily="18" charset="0"/>
-            </a:endParaRPr>
-          </a:p>
-          <a:p>
-            <a:pPr marL="514350" indent="-514350" algn="just">
-              <a:buFont typeface="Wingdings" panose="05000000000000000000" pitchFamily="2" charset="2"/>
-              <a:buChar char="q"/>
-              <a:defRPr/>
-            </a:pPr>
-            <a:r>
-              <a:rPr lang="pt-BR" sz="3200" dirty="0">
-                <a:solidFill>
-                  <a:prstClr val="white"/>
-                </a:solidFill>
-                <a:latin typeface="Georgia" panose="02040502050405020303" pitchFamily="18" charset="0"/>
-              </a:rPr>
-              <a:t>E as vias bioquímicas:</a:t>
-            </a:r>
-          </a:p>
-          <a:p>
-            <a:pPr marL="971550" lvl="1" indent="-514350" algn="just">
-              <a:buFont typeface="Wingdings" panose="05000000000000000000" pitchFamily="2" charset="2"/>
-              <a:buChar char="q"/>
-              <a:defRPr/>
-            </a:pPr>
-            <a:r>
-              <a:rPr kumimoji="0" lang="pt-BR" sz="2400" b="0" i="0" u="none" strike="noStrike" kern="1200" cap="none" spc="0" normalizeH="0" baseline="0" noProof="0" dirty="0">
-                <a:ln>
-                  <a:noFill/>
-                </a:ln>
-                <a:solidFill>
-                  <a:prstClr val="white"/>
-                </a:solidFill>
-                <a:effectLst/>
-                <a:uLnTx/>
-                <a:uFillTx/>
-                <a:latin typeface="Georgia" panose="02040502050405020303" pitchFamily="18" charset="0"/>
-              </a:rPr>
-              <a:t>Glicólise</a:t>
-            </a:r>
-          </a:p>
-          <a:p>
-            <a:pPr marL="971550" lvl="1" indent="-514350" algn="just">
-              <a:buFont typeface="Wingdings" panose="05000000000000000000" pitchFamily="2" charset="2"/>
-              <a:buChar char="q"/>
-              <a:defRPr/>
-            </a:pPr>
-            <a:r>
-              <a:rPr lang="pt-BR" sz="2400" dirty="0">
-                <a:solidFill>
-                  <a:prstClr val="white"/>
-                </a:solidFill>
-                <a:latin typeface="Georgia" panose="02040502050405020303" pitchFamily="18" charset="0"/>
-              </a:rPr>
-              <a:t>Gliconeogênese</a:t>
-            </a:r>
-          </a:p>
-          <a:p>
-            <a:pPr marL="971550" lvl="1" indent="-514350" algn="just">
-              <a:buFont typeface="Wingdings" panose="05000000000000000000" pitchFamily="2" charset="2"/>
-              <a:buChar char="q"/>
-              <a:defRPr/>
-            </a:pPr>
-            <a:r>
-              <a:rPr kumimoji="0" lang="pt-BR" sz="2400" b="0" i="0" u="none" strike="noStrike" kern="1200" cap="none" spc="0" normalizeH="0" baseline="0" noProof="0" dirty="0">
-                <a:ln>
-                  <a:noFill/>
-                </a:ln>
-                <a:solidFill>
-                  <a:prstClr val="white"/>
-                </a:solidFill>
-                <a:effectLst/>
-                <a:uLnTx/>
-                <a:uFillTx/>
-                <a:latin typeface="Georgia" panose="02040502050405020303" pitchFamily="18" charset="0"/>
-              </a:rPr>
-              <a:t>Glicogenólise</a:t>
-            </a:r>
-          </a:p>
-          <a:p>
-            <a:pPr marL="971550" lvl="1" indent="-514350" algn="just">
-              <a:buFont typeface="Wingdings" panose="05000000000000000000" pitchFamily="2" charset="2"/>
-              <a:buChar char="q"/>
-              <a:defRPr/>
-            </a:pPr>
-            <a:r>
-              <a:rPr lang="pt-BR" sz="2400" dirty="0">
-                <a:solidFill>
-                  <a:prstClr val="white"/>
-                </a:solidFill>
-                <a:latin typeface="Georgia" panose="02040502050405020303" pitchFamily="18" charset="0"/>
-              </a:rPr>
-              <a:t>Glicogênese</a:t>
-            </a:r>
-          </a:p>
-        </p:txBody>
-      </p:sp>
-      <p:sp>
-        <p:nvSpPr>
-          <p:cNvPr id="6" name="Título 1">
-            <a:extLst>
-              <a:ext uri="{FF2B5EF4-FFF2-40B4-BE49-F238E27FC236}">
-                <a16:creationId xmlns:a16="http://schemas.microsoft.com/office/drawing/2014/main" id="{4DF16D72-C031-499B-856F-00D459E60126}"/>
-              </a:ext>
-            </a:extLst>
-          </p:cNvPr>
-          <p:cNvSpPr txBox="1">
-            <a:spLocks/>
-          </p:cNvSpPr>
-          <p:nvPr/>
-        </p:nvSpPr>
-        <p:spPr>
-          <a:xfrm>
-            <a:off x="5218769" y="5326328"/>
-            <a:ext cx="6135031" cy="1325563"/>
-          </a:xfrm>
-          <a:prstGeom prst="rect">
-            <a:avLst/>
-          </a:prstGeom>
-        </p:spPr>
-        <p:txBody>
-          <a:bodyPr vert="horz" lIns="91440" tIns="45720" rIns="91440" bIns="45720" rtlCol="0" anchor="ctr">
-            <a:normAutofit/>
-          </a:bodyPr>
-          <a:lstStyle>
-            <a:lvl1pPr algn="l" defTabSz="914400" rtl="0" eaLnBrk="1" latinLnBrk="0" hangingPunct="1">
-              <a:lnSpc>
-                <a:spcPct val="90000"/>
-              </a:lnSpc>
-              <a:spcBef>
-                <a:spcPct val="0"/>
-              </a:spcBef>
-              <a:buNone/>
-              <a:defRPr sz="4400" kern="1200">
-                <a:solidFill>
-                  <a:schemeClr val="tx1"/>
-                </a:solidFill>
-                <a:latin typeface="+mj-lt"/>
-                <a:ea typeface="+mj-ea"/>
-                <a:cs typeface="+mj-cs"/>
-              </a:defRPr>
-            </a:lvl1pPr>
-          </a:lstStyle>
-          <a:p>
-            <a:pPr algn="r">
-              <a:lnSpc>
-                <a:spcPct val="120000"/>
-              </a:lnSpc>
-            </a:pPr>
-            <a:r>
-              <a:rPr lang="pt-BR" sz="2800" dirty="0">
-                <a:solidFill>
-                  <a:schemeClr val="accent4">
-                    <a:lumMod val="40000"/>
-                    <a:lumOff val="60000"/>
-                  </a:schemeClr>
-                </a:solidFill>
-                <a:latin typeface="Georgia" panose="02040502050405020303" pitchFamily="18" charset="0"/>
-              </a:rPr>
-              <a:t>Organização da resolução será consideradas na avaliação!!</a:t>
+              <a:t>?</a:t>
             </a:r>
           </a:p>
         </p:txBody>
@@ -16683,7 +16314,7 @@
     </p:spTree>
     <p:extLst>
       <p:ext uri="{BB962C8B-B14F-4D97-AF65-F5344CB8AC3E}">
-        <p14:creationId xmlns:p14="http://schemas.microsoft.com/office/powerpoint/2010/main" val="1654714407"/>
+        <p14:creationId xmlns:p14="http://schemas.microsoft.com/office/powerpoint/2010/main" val="1934001127"/>
       </p:ext>
     </p:extLst>
   </p:cSld>
@@ -16712,10 +16343,10 @@
       </p:grpSpPr>
       <p:sp>
         <p:nvSpPr>
-          <p:cNvPr id="4" name="Retângulo: Cantos Arredondados 3">
-            <a:extLst>
-              <a:ext uri="{FF2B5EF4-FFF2-40B4-BE49-F238E27FC236}">
-                <a16:creationId xmlns:a16="http://schemas.microsoft.com/office/drawing/2014/main" id="{C4F95711-53AE-4235-AA18-A2C6D47A01FB}"/>
+          <p:cNvPr id="2" name="Retângulo 1">
+            <a:extLst>
+              <a:ext uri="{FF2B5EF4-FFF2-40B4-BE49-F238E27FC236}">
+                <a16:creationId xmlns:a16="http://schemas.microsoft.com/office/drawing/2014/main" id="{C70A2D4E-AA3C-48A2-9248-0DF969278203}"/>
               </a:ext>
             </a:extLst>
           </p:cNvPr>
@@ -16724,50 +16355,28 @@
         </p:nvSpPr>
         <p:spPr>
           <a:xfrm>
-            <a:off x="5191191" y="5928440"/>
-            <a:ext cx="1809616" cy="574154"/>
-          </a:xfrm>
-          <a:prstGeom prst="roundRect">
+            <a:off x="1093566" y="2223958"/>
+            <a:ext cx="10004867" cy="2410083"/>
+          </a:xfrm>
+          <a:prstGeom prst="rect">
             <a:avLst/>
           </a:prstGeom>
-          <a:solidFill>
-            <a:schemeClr val="accent6"/>
-          </a:solidFill>
-          <a:ln w="76200">
-            <a:solidFill>
-              <a:schemeClr val="bg1"/>
-            </a:solidFill>
-          </a:ln>
         </p:spPr>
-        <p:style>
-          <a:lnRef idx="2">
-            <a:schemeClr val="accent1">
-              <a:shade val="50000"/>
-            </a:schemeClr>
-          </a:lnRef>
-          <a:fillRef idx="1">
-            <a:schemeClr val="accent1"/>
-          </a:fillRef>
-          <a:effectRef idx="0">
-            <a:schemeClr val="accent1"/>
-          </a:effectRef>
-          <a:fontRef idx="minor">
-            <a:schemeClr val="lt1"/>
-          </a:fontRef>
-        </p:style>
         <p:txBody>
-          <a:bodyPr rtlCol="0" anchor="ctr"/>
+          <a:bodyPr wrap="square">
+            <a:spAutoFit/>
+          </a:bodyPr>
           <a:lstStyle/>
           <a:p>
             <a:pPr marL="0" marR="0" lvl="0" indent="0" algn="ctr" defTabSz="914400" rtl="0" eaLnBrk="1" fontAlgn="auto" latinLnBrk="0" hangingPunct="1">
               <a:lnSpc>
-                <a:spcPct val="100000"/>
+                <a:spcPct val="107000"/>
               </a:lnSpc>
               <a:spcBef>
                 <a:spcPts val="0"/>
               </a:spcBef>
               <a:spcAft>
-                <a:spcPts val="0"/>
+                <a:spcPts val="800"/>
               </a:spcAft>
               <a:buClrTx/>
               <a:buSzTx/>
@@ -16777,1102 +16386,21 @@
               <a:defRPr/>
             </a:pPr>
             <a:r>
-              <a:rPr kumimoji="0" lang="pt-BR" sz="3600" b="1" i="0" u="none" strike="noStrike" kern="1200" cap="none" spc="0" normalizeH="0" baseline="0" noProof="0" dirty="0">
+              <a:rPr kumimoji="0" lang="pt-BR" sz="4800" b="1" i="1" u="none" strike="noStrike" kern="1200" cap="none" spc="0" normalizeH="0" baseline="0" noProof="0" dirty="0">
                 <a:ln>
                   <a:noFill/>
                 </a:ln>
                 <a:solidFill>
-                  <a:srgbClr val="FFC000">
-                    <a:lumMod val="40000"/>
-                    <a:lumOff val="60000"/>
-                  </a:srgbClr>
+                  <a:prstClr val="white"/>
                 </a:solidFill>
                 <a:effectLst/>
                 <a:uLnTx/>
                 <a:uFillTx/>
                 <a:latin typeface="Times New Roman" panose="02020603050405020304" pitchFamily="18" charset="0"/>
-                <a:ea typeface="+mn-ea"/>
+                <a:ea typeface="Calibri" panose="020F0502020204030204" pitchFamily="34" charset="0"/>
                 <a:cs typeface="Times New Roman" panose="02020603050405020304" pitchFamily="18" charset="0"/>
               </a:rPr>
-              <a:t>Glicose</a:t>
-            </a:r>
-          </a:p>
-        </p:txBody>
-      </p:sp>
-      <p:sp>
-        <p:nvSpPr>
-          <p:cNvPr id="68" name="Retângulo: Cantos Arredondados 67">
-            <a:extLst>
-              <a:ext uri="{FF2B5EF4-FFF2-40B4-BE49-F238E27FC236}">
-                <a16:creationId xmlns:a16="http://schemas.microsoft.com/office/drawing/2014/main" id="{F9349F37-759D-4F9A-B271-AA3E312933F8}"/>
-              </a:ext>
-            </a:extLst>
-          </p:cNvPr>
-          <p:cNvSpPr/>
-          <p:nvPr/>
-        </p:nvSpPr>
-        <p:spPr>
-          <a:xfrm>
-            <a:off x="4239076" y="4142828"/>
-            <a:ext cx="3713847" cy="574154"/>
-          </a:xfrm>
-          <a:prstGeom prst="roundRect">
-            <a:avLst/>
-          </a:prstGeom>
-          <a:solidFill>
-            <a:schemeClr val="accent6"/>
-          </a:solidFill>
-          <a:ln w="76200">
-            <a:solidFill>
-              <a:schemeClr val="bg1"/>
-            </a:solidFill>
-          </a:ln>
-        </p:spPr>
-        <p:style>
-          <a:lnRef idx="2">
-            <a:schemeClr val="accent1">
-              <a:shade val="50000"/>
-            </a:schemeClr>
-          </a:lnRef>
-          <a:fillRef idx="1">
-            <a:schemeClr val="accent1"/>
-          </a:fillRef>
-          <a:effectRef idx="0">
-            <a:schemeClr val="accent1"/>
-          </a:effectRef>
-          <a:fontRef idx="minor">
-            <a:schemeClr val="lt1"/>
-          </a:fontRef>
-        </p:style>
-        <p:txBody>
-          <a:bodyPr rtlCol="0" anchor="ctr"/>
-          <a:lstStyle/>
-          <a:p>
-            <a:pPr marL="0" marR="0" lvl="0" indent="0" algn="ctr" defTabSz="914400" rtl="0" eaLnBrk="1" fontAlgn="auto" latinLnBrk="0" hangingPunct="1">
-              <a:lnSpc>
-                <a:spcPct val="100000"/>
-              </a:lnSpc>
-              <a:spcBef>
-                <a:spcPts val="0"/>
-              </a:spcBef>
-              <a:spcAft>
-                <a:spcPts val="0"/>
-              </a:spcAft>
-              <a:buClrTx/>
-              <a:buSzTx/>
-              <a:buFontTx/>
-              <a:buNone/>
-              <a:tabLst/>
-              <a:defRPr/>
-            </a:pPr>
-            <a:r>
-              <a:rPr kumimoji="0" lang="pt-BR" sz="3600" b="1" i="0" u="none" strike="noStrike" kern="1200" cap="none" spc="0" normalizeH="0" baseline="0" noProof="0" dirty="0">
-                <a:ln>
-                  <a:noFill/>
-                </a:ln>
-                <a:solidFill>
-                  <a:srgbClr val="FFC000">
-                    <a:lumMod val="40000"/>
-                    <a:lumOff val="60000"/>
-                  </a:srgbClr>
-                </a:solidFill>
-                <a:effectLst/>
-                <a:uLnTx/>
-                <a:uFillTx/>
-                <a:latin typeface="Times New Roman" panose="02020603050405020304" pitchFamily="18" charset="0"/>
-                <a:ea typeface="+mn-ea"/>
-                <a:cs typeface="Times New Roman" panose="02020603050405020304" pitchFamily="18" charset="0"/>
-              </a:rPr>
-              <a:t>Glicose-6-fosfato</a:t>
-            </a:r>
-          </a:p>
-        </p:txBody>
-      </p:sp>
-      <p:sp>
-        <p:nvSpPr>
-          <p:cNvPr id="34" name="Retângulo: Cantos Arredondados 33">
-            <a:extLst>
-              <a:ext uri="{FF2B5EF4-FFF2-40B4-BE49-F238E27FC236}">
-                <a16:creationId xmlns:a16="http://schemas.microsoft.com/office/drawing/2014/main" id="{4546DFC5-0D01-4906-A9DC-9B3B17B57EF4}"/>
-              </a:ext>
-            </a:extLst>
-          </p:cNvPr>
-          <p:cNvSpPr/>
-          <p:nvPr/>
-        </p:nvSpPr>
-        <p:spPr>
-          <a:xfrm>
-            <a:off x="4239076" y="2070139"/>
-            <a:ext cx="3713847" cy="574154"/>
-          </a:xfrm>
-          <a:prstGeom prst="roundRect">
-            <a:avLst/>
-          </a:prstGeom>
-          <a:solidFill>
-            <a:schemeClr val="tx1">
-              <a:lumMod val="65000"/>
-              <a:lumOff val="35000"/>
-            </a:schemeClr>
-          </a:solidFill>
-          <a:ln w="76200">
-            <a:solidFill>
-              <a:schemeClr val="bg1"/>
-            </a:solidFill>
-          </a:ln>
-        </p:spPr>
-        <p:style>
-          <a:lnRef idx="2">
-            <a:schemeClr val="accent1">
-              <a:shade val="50000"/>
-            </a:schemeClr>
-          </a:lnRef>
-          <a:fillRef idx="1">
-            <a:schemeClr val="accent1"/>
-          </a:fillRef>
-          <a:effectRef idx="0">
-            <a:schemeClr val="accent1"/>
-          </a:effectRef>
-          <a:fontRef idx="minor">
-            <a:schemeClr val="lt1"/>
-          </a:fontRef>
-        </p:style>
-        <p:txBody>
-          <a:bodyPr rtlCol="0" anchor="ctr"/>
-          <a:lstStyle/>
-          <a:p>
-            <a:pPr marL="0" marR="0" lvl="0" indent="0" algn="ctr" defTabSz="914400" rtl="0" eaLnBrk="1" fontAlgn="auto" latinLnBrk="0" hangingPunct="1">
-              <a:lnSpc>
-                <a:spcPct val="100000"/>
-              </a:lnSpc>
-              <a:spcBef>
-                <a:spcPts val="0"/>
-              </a:spcBef>
-              <a:spcAft>
-                <a:spcPts val="0"/>
-              </a:spcAft>
-              <a:buClrTx/>
-              <a:buSzTx/>
-              <a:buFontTx/>
-              <a:buNone/>
-              <a:tabLst/>
-              <a:defRPr/>
-            </a:pPr>
-            <a:r>
-              <a:rPr kumimoji="0" lang="pt-BR" sz="3600" b="1" i="0" u="none" strike="noStrike" kern="1200" cap="none" spc="0" normalizeH="0" baseline="0" noProof="0" dirty="0">
-                <a:ln>
-                  <a:noFill/>
-                </a:ln>
-                <a:solidFill>
-                  <a:srgbClr val="FFC000">
-                    <a:lumMod val="40000"/>
-                    <a:lumOff val="60000"/>
-                  </a:srgbClr>
-                </a:solidFill>
-                <a:effectLst/>
-                <a:uLnTx/>
-                <a:uFillTx/>
-                <a:latin typeface="Times New Roman" panose="02020603050405020304" pitchFamily="18" charset="0"/>
-                <a:ea typeface="+mn-ea"/>
-                <a:cs typeface="Times New Roman" panose="02020603050405020304" pitchFamily="18" charset="0"/>
-              </a:rPr>
-              <a:t>Glicose-1-fosfato</a:t>
-            </a:r>
-          </a:p>
-        </p:txBody>
-      </p:sp>
-      <p:cxnSp>
-        <p:nvCxnSpPr>
-          <p:cNvPr id="35" name="Conector reto 34">
-            <a:extLst>
-              <a:ext uri="{FF2B5EF4-FFF2-40B4-BE49-F238E27FC236}">
-                <a16:creationId xmlns:a16="http://schemas.microsoft.com/office/drawing/2014/main" id="{18C3AC7A-AA72-4408-888E-A1916280A8B9}"/>
-              </a:ext>
-            </a:extLst>
-          </p:cNvPr>
-          <p:cNvCxnSpPr>
-            <a:cxnSpLocks/>
-          </p:cNvCxnSpPr>
-          <p:nvPr/>
-        </p:nvCxnSpPr>
-        <p:spPr>
-          <a:xfrm flipV="1">
-            <a:off x="5878415" y="2987784"/>
-            <a:ext cx="0" cy="998545"/>
-          </a:xfrm>
-          <a:prstGeom prst="line">
-            <a:avLst/>
-          </a:prstGeom>
-          <a:ln w="38100">
-            <a:solidFill>
-              <a:schemeClr val="bg1"/>
-            </a:solidFill>
-            <a:headEnd type="none" w="med" len="med"/>
-            <a:tailEnd type="triangle" w="med" len="med"/>
-          </a:ln>
-        </p:spPr>
-        <p:style>
-          <a:lnRef idx="1">
-            <a:schemeClr val="accent1"/>
-          </a:lnRef>
-          <a:fillRef idx="0">
-            <a:schemeClr val="accent1"/>
-          </a:fillRef>
-          <a:effectRef idx="0">
-            <a:schemeClr val="accent1"/>
-          </a:effectRef>
-          <a:fontRef idx="minor">
-            <a:schemeClr val="tx1"/>
-          </a:fontRef>
-        </p:style>
-      </p:cxnSp>
-      <p:cxnSp>
-        <p:nvCxnSpPr>
-          <p:cNvPr id="47" name="Conector reto 46">
-            <a:extLst>
-              <a:ext uri="{FF2B5EF4-FFF2-40B4-BE49-F238E27FC236}">
-                <a16:creationId xmlns:a16="http://schemas.microsoft.com/office/drawing/2014/main" id="{053ADD53-501A-4E67-B207-7CF2C3DF341A}"/>
-              </a:ext>
-            </a:extLst>
-          </p:cNvPr>
-          <p:cNvCxnSpPr>
-            <a:cxnSpLocks/>
-          </p:cNvCxnSpPr>
-          <p:nvPr/>
-        </p:nvCxnSpPr>
-        <p:spPr>
-          <a:xfrm>
-            <a:off x="6284815" y="2987783"/>
-            <a:ext cx="0" cy="998545"/>
-          </a:xfrm>
-          <a:prstGeom prst="line">
-            <a:avLst/>
-          </a:prstGeom>
-          <a:ln w="38100">
-            <a:solidFill>
-              <a:schemeClr val="bg1"/>
-            </a:solidFill>
-            <a:headEnd type="none" w="med" len="med"/>
-            <a:tailEnd type="triangle" w="med" len="med"/>
-          </a:ln>
-        </p:spPr>
-        <p:style>
-          <a:lnRef idx="1">
-            <a:schemeClr val="accent1"/>
-          </a:lnRef>
-          <a:fillRef idx="0">
-            <a:schemeClr val="accent1"/>
-          </a:fillRef>
-          <a:effectRef idx="0">
-            <a:schemeClr val="accent1"/>
-          </a:effectRef>
-          <a:fontRef idx="minor">
-            <a:schemeClr val="tx1"/>
-          </a:fontRef>
-        </p:style>
-      </p:cxnSp>
-      <p:cxnSp>
-        <p:nvCxnSpPr>
-          <p:cNvPr id="12" name="Conector reto 11">
-            <a:extLst>
-              <a:ext uri="{FF2B5EF4-FFF2-40B4-BE49-F238E27FC236}">
-                <a16:creationId xmlns:a16="http://schemas.microsoft.com/office/drawing/2014/main" id="{CE57062F-926A-489F-8194-2652DEB83FE1}"/>
-              </a:ext>
-            </a:extLst>
-          </p:cNvPr>
-          <p:cNvCxnSpPr>
-            <a:cxnSpLocks/>
-          </p:cNvCxnSpPr>
-          <p:nvPr/>
-        </p:nvCxnSpPr>
-        <p:spPr>
-          <a:xfrm>
-            <a:off x="6096000" y="1251857"/>
-            <a:ext cx="0" cy="647700"/>
-          </a:xfrm>
-          <a:prstGeom prst="line">
-            <a:avLst/>
-          </a:prstGeom>
-          <a:ln w="38100">
-            <a:solidFill>
-              <a:schemeClr val="bg1"/>
-            </a:solidFill>
-            <a:headEnd type="none" w="med" len="med"/>
-            <a:tailEnd type="triangle" w="med" len="med"/>
-          </a:ln>
-        </p:spPr>
-        <p:style>
-          <a:lnRef idx="1">
-            <a:schemeClr val="accent1"/>
-          </a:lnRef>
-          <a:fillRef idx="0">
-            <a:schemeClr val="accent1"/>
-          </a:fillRef>
-          <a:effectRef idx="0">
-            <a:schemeClr val="accent1"/>
-          </a:effectRef>
-          <a:fontRef idx="minor">
-            <a:schemeClr val="tx1"/>
-          </a:fontRef>
-        </p:style>
-      </p:cxnSp>
-      <p:cxnSp>
-        <p:nvCxnSpPr>
-          <p:cNvPr id="32" name="Conector reto 31">
-            <a:extLst>
-              <a:ext uri="{FF2B5EF4-FFF2-40B4-BE49-F238E27FC236}">
-                <a16:creationId xmlns:a16="http://schemas.microsoft.com/office/drawing/2014/main" id="{72CF0C4D-E89A-40DF-9BB2-4DDD367A335C}"/>
-              </a:ext>
-            </a:extLst>
-          </p:cNvPr>
-          <p:cNvCxnSpPr>
-            <a:cxnSpLocks/>
-          </p:cNvCxnSpPr>
-          <p:nvPr/>
-        </p:nvCxnSpPr>
-        <p:spPr>
-          <a:xfrm>
-            <a:off x="6095999" y="4947557"/>
-            <a:ext cx="0" cy="876300"/>
-          </a:xfrm>
-          <a:prstGeom prst="line">
-            <a:avLst/>
-          </a:prstGeom>
-          <a:ln w="38100">
-            <a:solidFill>
-              <a:schemeClr val="bg1"/>
-            </a:solidFill>
-            <a:headEnd type="none" w="med" len="med"/>
-            <a:tailEnd type="triangle" w="med" len="med"/>
-          </a:ln>
-        </p:spPr>
-        <p:style>
-          <a:lnRef idx="1">
-            <a:schemeClr val="accent1"/>
-          </a:lnRef>
-          <a:fillRef idx="0">
-            <a:schemeClr val="accent1"/>
-          </a:fillRef>
-          <a:effectRef idx="0">
-            <a:schemeClr val="accent1"/>
-          </a:effectRef>
-          <a:fontRef idx="minor">
-            <a:schemeClr val="tx1"/>
-          </a:fontRef>
-        </p:style>
-      </p:cxnSp>
-      <p:sp>
-        <p:nvSpPr>
-          <p:cNvPr id="18" name="Retângulo: Cantos Arredondados 17">
-            <a:extLst>
-              <a:ext uri="{FF2B5EF4-FFF2-40B4-BE49-F238E27FC236}">
-                <a16:creationId xmlns:a16="http://schemas.microsoft.com/office/drawing/2014/main" id="{8565D3A2-3BA9-412C-8F5F-FFD36944EB1C}"/>
-              </a:ext>
-            </a:extLst>
-          </p:cNvPr>
-          <p:cNvSpPr/>
-          <p:nvPr/>
-        </p:nvSpPr>
-        <p:spPr>
-          <a:xfrm>
-            <a:off x="4739041" y="252123"/>
-            <a:ext cx="2713918" cy="706349"/>
-          </a:xfrm>
-          <a:prstGeom prst="roundRect">
-            <a:avLst/>
-          </a:prstGeom>
-          <a:solidFill>
-            <a:schemeClr val="tx1">
-              <a:lumMod val="65000"/>
-              <a:lumOff val="35000"/>
-            </a:schemeClr>
-          </a:solidFill>
-          <a:ln w="76200">
-            <a:solidFill>
-              <a:schemeClr val="bg1"/>
-            </a:solidFill>
-          </a:ln>
-        </p:spPr>
-        <p:style>
-          <a:lnRef idx="2">
-            <a:schemeClr val="accent1">
-              <a:shade val="50000"/>
-            </a:schemeClr>
-          </a:lnRef>
-          <a:fillRef idx="1">
-            <a:schemeClr val="accent1"/>
-          </a:fillRef>
-          <a:effectRef idx="0">
-            <a:schemeClr val="accent1"/>
-          </a:effectRef>
-          <a:fontRef idx="minor">
-            <a:schemeClr val="lt1"/>
-          </a:fontRef>
-        </p:style>
-        <p:txBody>
-          <a:bodyPr rtlCol="0" anchor="ctr"/>
-          <a:lstStyle/>
-          <a:p>
-            <a:pPr marL="0" marR="0" lvl="0" indent="0" algn="ctr" defTabSz="914400" rtl="0" eaLnBrk="1" fontAlgn="auto" latinLnBrk="0" hangingPunct="1">
-              <a:lnSpc>
-                <a:spcPct val="100000"/>
-              </a:lnSpc>
-              <a:spcBef>
-                <a:spcPts val="0"/>
-              </a:spcBef>
-              <a:spcAft>
-                <a:spcPts val="0"/>
-              </a:spcAft>
-              <a:buClrTx/>
-              <a:buSzTx/>
-              <a:buFontTx/>
-              <a:buNone/>
-              <a:tabLst/>
-              <a:defRPr/>
-            </a:pPr>
-            <a:r>
-              <a:rPr kumimoji="0" lang="pt-BR" sz="3600" b="1" i="0" u="none" strike="noStrike" kern="1200" cap="none" spc="0" normalizeH="0" baseline="0" noProof="0" dirty="0">
-                <a:ln>
-                  <a:noFill/>
-                </a:ln>
-                <a:solidFill>
-                  <a:srgbClr val="FFC000">
-                    <a:lumMod val="40000"/>
-                    <a:lumOff val="60000"/>
-                  </a:srgbClr>
-                </a:solidFill>
-                <a:effectLst/>
-                <a:uLnTx/>
-                <a:uFillTx/>
-                <a:latin typeface="Times New Roman" panose="02020603050405020304" pitchFamily="18" charset="0"/>
-                <a:ea typeface="+mn-ea"/>
-                <a:cs typeface="Times New Roman" panose="02020603050405020304" pitchFamily="18" charset="0"/>
-              </a:rPr>
-              <a:t>Glicogênio</a:t>
-            </a:r>
-          </a:p>
-        </p:txBody>
-      </p:sp>
-      <p:cxnSp>
-        <p:nvCxnSpPr>
-          <p:cNvPr id="16" name="Conector reto 15">
-            <a:extLst>
-              <a:ext uri="{FF2B5EF4-FFF2-40B4-BE49-F238E27FC236}">
-                <a16:creationId xmlns:a16="http://schemas.microsoft.com/office/drawing/2014/main" id="{15EAEF69-58C9-4C14-BDB4-69D57A44E5F5}"/>
-              </a:ext>
-            </a:extLst>
-          </p:cNvPr>
-          <p:cNvCxnSpPr>
-            <a:cxnSpLocks/>
-          </p:cNvCxnSpPr>
-          <p:nvPr/>
-        </p:nvCxnSpPr>
-        <p:spPr>
-          <a:xfrm flipH="1">
-            <a:off x="2642839" y="4429905"/>
-            <a:ext cx="1393038" cy="0"/>
-          </a:xfrm>
-          <a:prstGeom prst="line">
-            <a:avLst/>
-          </a:prstGeom>
-          <a:ln w="38100">
-            <a:solidFill>
-              <a:schemeClr val="bg1"/>
-            </a:solidFill>
-            <a:headEnd type="none" w="med" len="med"/>
-            <a:tailEnd type="triangle" w="med" len="med"/>
-          </a:ln>
-        </p:spPr>
-        <p:style>
-          <a:lnRef idx="1">
-            <a:schemeClr val="accent1"/>
-          </a:lnRef>
-          <a:fillRef idx="0">
-            <a:schemeClr val="accent1"/>
-          </a:fillRef>
-          <a:effectRef idx="0">
-            <a:schemeClr val="accent1"/>
-          </a:effectRef>
-          <a:fontRef idx="minor">
-            <a:schemeClr val="tx1"/>
-          </a:fontRef>
-        </p:style>
-      </p:cxnSp>
-      <p:sp>
-        <p:nvSpPr>
-          <p:cNvPr id="20" name="Retângulo: Cantos Arredondados 19">
-            <a:extLst>
-              <a:ext uri="{FF2B5EF4-FFF2-40B4-BE49-F238E27FC236}">
-                <a16:creationId xmlns:a16="http://schemas.microsoft.com/office/drawing/2014/main" id="{50B27E9D-CE89-458D-A664-84B3F2F88280}"/>
-              </a:ext>
-            </a:extLst>
-          </p:cNvPr>
-          <p:cNvSpPr/>
-          <p:nvPr/>
-        </p:nvSpPr>
-        <p:spPr>
-          <a:xfrm>
-            <a:off x="216702" y="4142828"/>
-            <a:ext cx="2162626" cy="574154"/>
-          </a:xfrm>
-          <a:prstGeom prst="roundRect">
-            <a:avLst/>
-          </a:prstGeom>
-          <a:solidFill>
-            <a:schemeClr val="accent6"/>
-          </a:solidFill>
-          <a:ln w="76200">
-            <a:solidFill>
-              <a:schemeClr val="bg1"/>
-            </a:solidFill>
-          </a:ln>
-        </p:spPr>
-        <p:style>
-          <a:lnRef idx="2">
-            <a:schemeClr val="accent1">
-              <a:shade val="50000"/>
-            </a:schemeClr>
-          </a:lnRef>
-          <a:fillRef idx="1">
-            <a:schemeClr val="accent1"/>
-          </a:fillRef>
-          <a:effectRef idx="0">
-            <a:schemeClr val="accent1"/>
-          </a:effectRef>
-          <a:fontRef idx="minor">
-            <a:schemeClr val="lt1"/>
-          </a:fontRef>
-        </p:style>
-        <p:txBody>
-          <a:bodyPr rtlCol="0" anchor="ctr"/>
-          <a:lstStyle/>
-          <a:p>
-            <a:pPr marL="0" marR="0" lvl="0" indent="0" algn="ctr" defTabSz="914400" rtl="0" eaLnBrk="1" fontAlgn="auto" latinLnBrk="0" hangingPunct="1">
-              <a:lnSpc>
-                <a:spcPct val="100000"/>
-              </a:lnSpc>
-              <a:spcBef>
-                <a:spcPts val="0"/>
-              </a:spcBef>
-              <a:spcAft>
-                <a:spcPts val="0"/>
-              </a:spcAft>
-              <a:buClrTx/>
-              <a:buSzTx/>
-              <a:buFontTx/>
-              <a:buNone/>
-              <a:tabLst/>
-              <a:defRPr/>
-            </a:pPr>
-            <a:r>
-              <a:rPr kumimoji="0" lang="pt-BR" sz="3600" b="1" i="0" u="none" strike="noStrike" kern="1200" cap="none" spc="0" normalizeH="0" baseline="0" noProof="0" dirty="0">
-                <a:ln>
-                  <a:noFill/>
-                </a:ln>
-                <a:solidFill>
-                  <a:srgbClr val="FFC000">
-                    <a:lumMod val="40000"/>
-                    <a:lumOff val="60000"/>
-                  </a:srgbClr>
-                </a:solidFill>
-                <a:effectLst/>
-                <a:uLnTx/>
-                <a:uFillTx/>
-                <a:latin typeface="Times New Roman" panose="02020603050405020304" pitchFamily="18" charset="0"/>
-                <a:ea typeface="+mn-ea"/>
-                <a:cs typeface="Times New Roman" panose="02020603050405020304" pitchFamily="18" charset="0"/>
-              </a:rPr>
-              <a:t>Piruvato</a:t>
-            </a:r>
-          </a:p>
-        </p:txBody>
-      </p:sp>
-      <p:cxnSp>
-        <p:nvCxnSpPr>
-          <p:cNvPr id="21" name="Conector reto 20">
-            <a:extLst>
-              <a:ext uri="{FF2B5EF4-FFF2-40B4-BE49-F238E27FC236}">
-                <a16:creationId xmlns:a16="http://schemas.microsoft.com/office/drawing/2014/main" id="{0B056278-80EF-4FE5-9881-78798FB5CD53}"/>
-              </a:ext>
-            </a:extLst>
-          </p:cNvPr>
-          <p:cNvCxnSpPr>
-            <a:cxnSpLocks/>
-          </p:cNvCxnSpPr>
-          <p:nvPr/>
-        </p:nvCxnSpPr>
-        <p:spPr>
-          <a:xfrm>
-            <a:off x="7167558" y="6215165"/>
-            <a:ext cx="1357085" cy="0"/>
-          </a:xfrm>
-          <a:prstGeom prst="line">
-            <a:avLst/>
-          </a:prstGeom>
-          <a:ln w="38100">
-            <a:solidFill>
-              <a:schemeClr val="bg1"/>
-            </a:solidFill>
-            <a:headEnd type="none" w="med" len="med"/>
-            <a:tailEnd type="triangle" w="med" len="med"/>
-          </a:ln>
-        </p:spPr>
-        <p:style>
-          <a:lnRef idx="1">
-            <a:schemeClr val="accent1"/>
-          </a:lnRef>
-          <a:fillRef idx="0">
-            <a:schemeClr val="accent1"/>
-          </a:fillRef>
-          <a:effectRef idx="0">
-            <a:schemeClr val="accent1"/>
-          </a:effectRef>
-          <a:fontRef idx="minor">
-            <a:schemeClr val="tx1"/>
-          </a:fontRef>
-        </p:style>
-      </p:cxnSp>
-      <p:sp>
-        <p:nvSpPr>
-          <p:cNvPr id="23" name="Retângulo: Cantos Arredondados 22">
-            <a:extLst>
-              <a:ext uri="{FF2B5EF4-FFF2-40B4-BE49-F238E27FC236}">
-                <a16:creationId xmlns:a16="http://schemas.microsoft.com/office/drawing/2014/main" id="{1C91E3B3-EF63-4D03-BE9D-7D26ADE3735D}"/>
-              </a:ext>
-            </a:extLst>
-          </p:cNvPr>
-          <p:cNvSpPr/>
-          <p:nvPr/>
-        </p:nvSpPr>
-        <p:spPr>
-          <a:xfrm>
-            <a:off x="8780606" y="4947557"/>
-            <a:ext cx="2613342" cy="1440611"/>
-          </a:xfrm>
-          <a:prstGeom prst="roundRect">
-            <a:avLst/>
-          </a:prstGeom>
-          <a:solidFill>
-            <a:schemeClr val="accent6"/>
-          </a:solidFill>
-          <a:ln w="76200">
-            <a:solidFill>
-              <a:schemeClr val="bg1"/>
-            </a:solidFill>
-          </a:ln>
-        </p:spPr>
-        <p:style>
-          <a:lnRef idx="2">
-            <a:schemeClr val="accent1">
-              <a:shade val="50000"/>
-            </a:schemeClr>
-          </a:lnRef>
-          <a:fillRef idx="1">
-            <a:schemeClr val="accent1"/>
-          </a:fillRef>
-          <a:effectRef idx="0">
-            <a:schemeClr val="accent1"/>
-          </a:effectRef>
-          <a:fontRef idx="minor">
-            <a:schemeClr val="lt1"/>
-          </a:fontRef>
-        </p:style>
-        <p:txBody>
-          <a:bodyPr rtlCol="0" anchor="ctr"/>
-          <a:lstStyle/>
-          <a:p>
-            <a:pPr marL="0" marR="0" lvl="0" indent="0" algn="ctr" defTabSz="914400" rtl="0" eaLnBrk="1" fontAlgn="auto" latinLnBrk="0" hangingPunct="1">
-              <a:lnSpc>
-                <a:spcPct val="100000"/>
-              </a:lnSpc>
-              <a:spcBef>
-                <a:spcPts val="0"/>
-              </a:spcBef>
-              <a:spcAft>
-                <a:spcPts val="0"/>
-              </a:spcAft>
-              <a:buClrTx/>
-              <a:buSzTx/>
-              <a:buFontTx/>
-              <a:buNone/>
-              <a:tabLst/>
-              <a:defRPr/>
-            </a:pPr>
-            <a:r>
-              <a:rPr kumimoji="0" lang="pt-BR" sz="3600" b="1" i="0" u="none" strike="noStrike" kern="1200" cap="none" spc="0" normalizeH="0" baseline="0" noProof="0" dirty="0">
-                <a:ln>
-                  <a:noFill/>
-                </a:ln>
-                <a:solidFill>
-                  <a:srgbClr val="FFC000">
-                    <a:lumMod val="40000"/>
-                    <a:lumOff val="60000"/>
-                  </a:srgbClr>
-                </a:solidFill>
-                <a:effectLst/>
-                <a:uLnTx/>
-                <a:uFillTx/>
-                <a:latin typeface="Times New Roman" panose="02020603050405020304" pitchFamily="18" charset="0"/>
-                <a:ea typeface="+mn-ea"/>
-                <a:cs typeface="Times New Roman" panose="02020603050405020304" pitchFamily="18" charset="0"/>
-              </a:rPr>
-              <a:t>Corrente sanguínea</a:t>
-            </a:r>
-          </a:p>
-        </p:txBody>
-      </p:sp>
-      <p:sp>
-        <p:nvSpPr>
-          <p:cNvPr id="22" name="CustomShape 3">
-            <a:extLst>
-              <a:ext uri="{FF2B5EF4-FFF2-40B4-BE49-F238E27FC236}">
-                <a16:creationId xmlns:a16="http://schemas.microsoft.com/office/drawing/2014/main" id="{4B990661-A00E-4524-8C79-25579B437C47}"/>
-              </a:ext>
-            </a:extLst>
-          </p:cNvPr>
-          <p:cNvSpPr/>
-          <p:nvPr/>
-        </p:nvSpPr>
-        <p:spPr>
-          <a:xfrm>
-            <a:off x="2489532" y="1208077"/>
-            <a:ext cx="3499087" cy="460211"/>
-          </a:xfrm>
-          <a:prstGeom prst="rect">
-            <a:avLst/>
-          </a:prstGeom>
-          <a:noFill/>
-          <a:ln>
-            <a:noFill/>
-          </a:ln>
-        </p:spPr>
-        <p:style>
-          <a:lnRef idx="0">
-            <a:scrgbClr r="0" g="0" b="0"/>
-          </a:lnRef>
-          <a:fillRef idx="0">
-            <a:scrgbClr r="0" g="0" b="0"/>
-          </a:fillRef>
-          <a:effectRef idx="0">
-            <a:scrgbClr r="0" g="0" b="0"/>
-          </a:effectRef>
-          <a:fontRef idx="minor"/>
-        </p:style>
-        <p:txBody>
-          <a:bodyPr wrap="square" lIns="90000" tIns="45000" rIns="90000" bIns="45000">
-            <a:spAutoFit/>
-          </a:bodyPr>
-          <a:lstStyle/>
-          <a:p>
-            <a:pPr lvl="0" algn="r">
-              <a:defRPr/>
-            </a:pPr>
-            <a:r>
-              <a:rPr lang="pt-BR" sz="2400" b="1" spc="-1" dirty="0">
-                <a:solidFill>
-                  <a:schemeClr val="bg1"/>
-                </a:solidFill>
-                <a:latin typeface="Bell MT"/>
-              </a:rPr>
-              <a:t>Glicogênio </a:t>
-            </a:r>
-            <a:r>
-              <a:rPr lang="pt-BR" sz="2400" b="1" spc="-1" dirty="0" err="1">
-                <a:solidFill>
-                  <a:schemeClr val="bg1"/>
-                </a:solidFill>
-                <a:latin typeface="Bell MT"/>
-              </a:rPr>
-              <a:t>fosforilase</a:t>
-            </a:r>
-            <a:endParaRPr kumimoji="0" lang="pt-BR" sz="2400" b="1" i="0" strike="noStrike" kern="1200" cap="none" spc="-1" normalizeH="0" baseline="0" noProof="0" dirty="0">
-              <a:ln>
-                <a:noFill/>
-              </a:ln>
-              <a:solidFill>
-                <a:schemeClr val="bg1"/>
-              </a:solidFill>
-              <a:effectLst/>
-              <a:uLnTx/>
-              <a:uFillTx/>
-              <a:latin typeface="Bell MT"/>
-              <a:ea typeface="+mn-ea"/>
-              <a:cs typeface="+mn-cs"/>
-            </a:endParaRPr>
-          </a:p>
-        </p:txBody>
-      </p:sp>
-      <p:sp>
-        <p:nvSpPr>
-          <p:cNvPr id="24" name="CustomShape 3">
-            <a:extLst>
-              <a:ext uri="{FF2B5EF4-FFF2-40B4-BE49-F238E27FC236}">
-                <a16:creationId xmlns:a16="http://schemas.microsoft.com/office/drawing/2014/main" id="{1470A1A8-C460-4A30-B30D-7A72B5F14C12}"/>
-              </a:ext>
-            </a:extLst>
-          </p:cNvPr>
-          <p:cNvSpPr/>
-          <p:nvPr/>
-        </p:nvSpPr>
-        <p:spPr>
-          <a:xfrm>
-            <a:off x="2379328" y="3198894"/>
-            <a:ext cx="3499087" cy="460211"/>
-          </a:xfrm>
-          <a:prstGeom prst="rect">
-            <a:avLst/>
-          </a:prstGeom>
-          <a:noFill/>
-          <a:ln>
-            <a:noFill/>
-          </a:ln>
-        </p:spPr>
-        <p:style>
-          <a:lnRef idx="0">
-            <a:scrgbClr r="0" g="0" b="0"/>
-          </a:lnRef>
-          <a:fillRef idx="0">
-            <a:scrgbClr r="0" g="0" b="0"/>
-          </a:fillRef>
-          <a:effectRef idx="0">
-            <a:scrgbClr r="0" g="0" b="0"/>
-          </a:effectRef>
-          <a:fontRef idx="minor"/>
-        </p:style>
-        <p:txBody>
-          <a:bodyPr wrap="square" lIns="90000" tIns="45000" rIns="90000" bIns="45000">
-            <a:spAutoFit/>
-          </a:bodyPr>
-          <a:lstStyle/>
-          <a:p>
-            <a:pPr lvl="0" algn="r">
-              <a:defRPr/>
-            </a:pPr>
-            <a:r>
-              <a:rPr lang="pt-BR" sz="2400" b="1" spc="-1" dirty="0" err="1">
-                <a:solidFill>
-                  <a:schemeClr val="bg1"/>
-                </a:solidFill>
-                <a:latin typeface="Bell MT"/>
-              </a:rPr>
-              <a:t>Fosfoglicomutase</a:t>
-            </a:r>
-            <a:endParaRPr kumimoji="0" lang="pt-BR" sz="2400" b="1" i="0" strike="noStrike" kern="1200" cap="none" spc="-1" normalizeH="0" baseline="0" noProof="0" dirty="0">
-              <a:ln>
-                <a:noFill/>
-              </a:ln>
-              <a:solidFill>
-                <a:schemeClr val="bg1"/>
-              </a:solidFill>
-              <a:effectLst/>
-              <a:uLnTx/>
-              <a:uFillTx/>
-              <a:latin typeface="Bell MT"/>
-              <a:ea typeface="+mn-ea"/>
-              <a:cs typeface="+mn-cs"/>
-            </a:endParaRPr>
-          </a:p>
-        </p:txBody>
-      </p:sp>
-      <p:sp>
-        <p:nvSpPr>
-          <p:cNvPr id="25" name="CustomShape 3">
-            <a:extLst>
-              <a:ext uri="{FF2B5EF4-FFF2-40B4-BE49-F238E27FC236}">
-                <a16:creationId xmlns:a16="http://schemas.microsoft.com/office/drawing/2014/main" id="{BF8E1651-2C70-48CA-BEF4-F5A82572114C}"/>
-              </a:ext>
-            </a:extLst>
-          </p:cNvPr>
-          <p:cNvSpPr/>
-          <p:nvPr/>
-        </p:nvSpPr>
-        <p:spPr>
-          <a:xfrm>
-            <a:off x="2642076" y="5092605"/>
-            <a:ext cx="3499087" cy="460211"/>
-          </a:xfrm>
-          <a:prstGeom prst="rect">
-            <a:avLst/>
-          </a:prstGeom>
-          <a:noFill/>
-          <a:ln>
-            <a:noFill/>
-          </a:ln>
-        </p:spPr>
-        <p:style>
-          <a:lnRef idx="0">
-            <a:scrgbClr r="0" g="0" b="0"/>
-          </a:lnRef>
-          <a:fillRef idx="0">
-            <a:scrgbClr r="0" g="0" b="0"/>
-          </a:fillRef>
-          <a:effectRef idx="0">
-            <a:scrgbClr r="0" g="0" b="0"/>
-          </a:effectRef>
-          <a:fontRef idx="minor"/>
-        </p:style>
-        <p:txBody>
-          <a:bodyPr wrap="square" lIns="90000" tIns="45000" rIns="90000" bIns="45000">
-            <a:spAutoFit/>
-          </a:bodyPr>
-          <a:lstStyle/>
-          <a:p>
-            <a:pPr lvl="0" algn="r">
-              <a:defRPr/>
-            </a:pPr>
-            <a:r>
-              <a:rPr lang="pt-BR" sz="2400" b="1" spc="-1" dirty="0">
-                <a:solidFill>
-                  <a:schemeClr val="bg1"/>
-                </a:solidFill>
-                <a:latin typeface="Bell MT"/>
-              </a:rPr>
-              <a:t>Glicose-6-fosfatase</a:t>
-            </a:r>
-            <a:endParaRPr kumimoji="0" lang="pt-BR" sz="2400" b="1" i="0" strike="noStrike" kern="1200" cap="none" spc="-1" normalizeH="0" baseline="0" noProof="0" dirty="0">
-              <a:ln>
-                <a:noFill/>
-              </a:ln>
-              <a:solidFill>
-                <a:schemeClr val="bg1"/>
-              </a:solidFill>
-              <a:effectLst/>
-              <a:uLnTx/>
-              <a:uFillTx/>
-              <a:latin typeface="Bell MT"/>
-              <a:ea typeface="+mn-ea"/>
-              <a:cs typeface="+mn-cs"/>
-            </a:endParaRPr>
-          </a:p>
-        </p:txBody>
-      </p:sp>
-      <p:sp>
-        <p:nvSpPr>
-          <p:cNvPr id="26" name="CustomShape 3">
-            <a:extLst>
-              <a:ext uri="{FF2B5EF4-FFF2-40B4-BE49-F238E27FC236}">
-                <a16:creationId xmlns:a16="http://schemas.microsoft.com/office/drawing/2014/main" id="{95619693-6AA6-4F3F-87A9-E6C7962FA3E1}"/>
-              </a:ext>
-            </a:extLst>
-          </p:cNvPr>
-          <p:cNvSpPr/>
-          <p:nvPr/>
-        </p:nvSpPr>
-        <p:spPr>
-          <a:xfrm>
-            <a:off x="3055434" y="3975037"/>
-            <a:ext cx="555567" cy="460211"/>
-          </a:xfrm>
-          <a:prstGeom prst="rect">
-            <a:avLst/>
-          </a:prstGeom>
-          <a:noFill/>
-          <a:ln>
-            <a:noFill/>
-          </a:ln>
-        </p:spPr>
-        <p:style>
-          <a:lnRef idx="0">
-            <a:scrgbClr r="0" g="0" b="0"/>
-          </a:lnRef>
-          <a:fillRef idx="0">
-            <a:scrgbClr r="0" g="0" b="0"/>
-          </a:fillRef>
-          <a:effectRef idx="0">
-            <a:scrgbClr r="0" g="0" b="0"/>
-          </a:effectRef>
-          <a:fontRef idx="minor"/>
-        </p:style>
-        <p:txBody>
-          <a:bodyPr wrap="square" lIns="90000" tIns="45000" rIns="90000" bIns="45000">
-            <a:spAutoFit/>
-          </a:bodyPr>
-          <a:lstStyle/>
-          <a:p>
-            <a:pPr lvl="0" algn="r">
-              <a:defRPr/>
-            </a:pPr>
-            <a:r>
-              <a:rPr kumimoji="0" lang="pt-BR" sz="2400" b="1" i="0" strike="noStrike" kern="1200" cap="none" spc="-1" normalizeH="0" baseline="0" noProof="0" dirty="0">
-                <a:ln>
-                  <a:noFill/>
-                </a:ln>
-                <a:solidFill>
-                  <a:schemeClr val="bg1"/>
-                </a:solidFill>
-                <a:effectLst/>
-                <a:uLnTx/>
-                <a:uFillTx/>
-                <a:latin typeface="Bell MT"/>
-                <a:ea typeface="+mn-ea"/>
-                <a:cs typeface="+mn-cs"/>
-              </a:rPr>
-              <a:t>01</a:t>
-            </a:r>
-          </a:p>
-        </p:txBody>
-      </p:sp>
-      <p:sp>
-        <p:nvSpPr>
-          <p:cNvPr id="27" name="CustomShape 3">
-            <a:extLst>
-              <a:ext uri="{FF2B5EF4-FFF2-40B4-BE49-F238E27FC236}">
-                <a16:creationId xmlns:a16="http://schemas.microsoft.com/office/drawing/2014/main" id="{319789F7-021E-4E2C-8CCF-1FB2C084CFF0}"/>
-              </a:ext>
-            </a:extLst>
-          </p:cNvPr>
-          <p:cNvSpPr/>
-          <p:nvPr/>
-        </p:nvSpPr>
-        <p:spPr>
-          <a:xfrm>
-            <a:off x="6154418" y="5155601"/>
-            <a:ext cx="555567" cy="460211"/>
-          </a:xfrm>
-          <a:prstGeom prst="rect">
-            <a:avLst/>
-          </a:prstGeom>
-          <a:noFill/>
-          <a:ln>
-            <a:noFill/>
-          </a:ln>
-        </p:spPr>
-        <p:style>
-          <a:lnRef idx="0">
-            <a:scrgbClr r="0" g="0" b="0"/>
-          </a:lnRef>
-          <a:fillRef idx="0">
-            <a:scrgbClr r="0" g="0" b="0"/>
-          </a:fillRef>
-          <a:effectRef idx="0">
-            <a:scrgbClr r="0" g="0" b="0"/>
-          </a:effectRef>
-          <a:fontRef idx="minor"/>
-        </p:style>
-        <p:txBody>
-          <a:bodyPr wrap="square" lIns="90000" tIns="45000" rIns="90000" bIns="45000">
-            <a:spAutoFit/>
-          </a:bodyPr>
-          <a:lstStyle/>
-          <a:p>
-            <a:pPr lvl="0" algn="r">
-              <a:defRPr/>
-            </a:pPr>
-            <a:r>
-              <a:rPr kumimoji="0" lang="pt-BR" sz="2400" b="1" i="0" strike="noStrike" kern="1200" cap="none" spc="-1" normalizeH="0" baseline="0" noProof="0" dirty="0">
-                <a:ln>
-                  <a:noFill/>
-                </a:ln>
-                <a:solidFill>
-                  <a:schemeClr val="bg1"/>
-                </a:solidFill>
-                <a:effectLst/>
-                <a:uLnTx/>
-                <a:uFillTx/>
-                <a:latin typeface="Bell MT"/>
-                <a:ea typeface="+mn-ea"/>
-                <a:cs typeface="+mn-cs"/>
-              </a:rPr>
-              <a:t>02</a:t>
+              <a:t>Por que é desvantajoso para célula armazenar glicose em sua forma monomérica dentro da célula?</a:t>
             </a:r>
           </a:p>
         </p:txBody>
@@ -17880,16 +16408,13 @@
     </p:spTree>
     <p:extLst>
       <p:ext uri="{BB962C8B-B14F-4D97-AF65-F5344CB8AC3E}">
-        <p14:creationId xmlns:p14="http://schemas.microsoft.com/office/powerpoint/2010/main" val="463279970"/>
+        <p14:creationId xmlns:p14="http://schemas.microsoft.com/office/powerpoint/2010/main" val="2216507822"/>
       </p:ext>
     </p:extLst>
   </p:cSld>
   <p:clrMapOvr>
     <a:masterClrMapping/>
   </p:clrMapOvr>
-  <p:transition spd="slow">
-    <p:push dir="u"/>
-  </p:transition>
 </p:sld>
 </file>
 
